--- a/Work Packages/WP1 Management/Other/PaNOSC_WP1_ReviewMeeting_v2.pptx
+++ b/Work Packages/WP1 Management/Other/PaNOSC_WP1_ReviewMeeting_v2.pptx
@@ -8,7 +8,7 @@
     <p:sldMasterId id="2147483674" r:id="rId4"/>
   </p:sldMasterIdLst>
   <p:notesMasterIdLst>
-    <p:notesMasterId r:id="rId19"/>
+    <p:notesMasterId r:id="rId20"/>
   </p:notesMasterIdLst>
   <p:sldIdLst>
     <p:sldId id="264" r:id="rId5"/>
@@ -16,15 +16,16 @@
     <p:sldId id="277" r:id="rId7"/>
     <p:sldId id="270" r:id="rId8"/>
     <p:sldId id="269" r:id="rId9"/>
-    <p:sldId id="275" r:id="rId10"/>
-    <p:sldId id="271" r:id="rId11"/>
-    <p:sldId id="272" r:id="rId12"/>
-    <p:sldId id="273" r:id="rId13"/>
-    <p:sldId id="274" r:id="rId14"/>
-    <p:sldId id="266" r:id="rId15"/>
-    <p:sldId id="278" r:id="rId16"/>
-    <p:sldId id="280" r:id="rId17"/>
-    <p:sldId id="279" r:id="rId18"/>
+    <p:sldId id="271" r:id="rId10"/>
+    <p:sldId id="275" r:id="rId11"/>
+    <p:sldId id="281" r:id="rId12"/>
+    <p:sldId id="272" r:id="rId13"/>
+    <p:sldId id="273" r:id="rId14"/>
+    <p:sldId id="274" r:id="rId15"/>
+    <p:sldId id="266" r:id="rId16"/>
+    <p:sldId id="278" r:id="rId17"/>
+    <p:sldId id="280" r:id="rId18"/>
+    <p:sldId id="279" r:id="rId19"/>
   </p:sldIdLst>
   <p:sldSz cx="12192000" cy="6858000"/>
   <p:notesSz cx="12192000" cy="6858000"/>
@@ -248,7 +249,7 @@
           </a:lstStyle>
           <a:p>
             <a:fld id="{E6439749-5F7E-5648-9CD6-00744CE904A7}" type="datetimeFigureOut">
-              <a:t>05/06/2020</a:t>
+              <a:t>09/06/2020</a:t>
             </a:fld>
             <a:endParaRPr lang="it-IT"/>
           </a:p>
@@ -1224,7 +1225,7 @@
           </a:lstStyle>
           <a:p>
             <a:fld id="{95B7B0B5-0B63-3644-99A4-AB904A50937F}" type="datetime1">
-              <a:t>05/06/2020</a:t>
+              <a:t>09/06/2020</a:t>
             </a:fld>
             <a:endParaRPr lang="it-IT"/>
           </a:p>
@@ -1507,7 +1508,7 @@
           </a:lstStyle>
           <a:p>
             <a:fld id="{95B7B0B5-0B63-3644-99A4-AB904A50937F}" type="datetime1">
-              <a:t>05/06/2020</a:t>
+              <a:t>09/06/2020</a:t>
             </a:fld>
             <a:endParaRPr lang="it-IT"/>
           </a:p>
@@ -1649,7 +1650,7 @@
           </a:lstStyle>
           <a:p>
             <a:fld id="{95B7B0B5-0B63-3644-99A4-AB904A50937F}" type="datetime1">
-              <a:t>05/06/2020</a:t>
+              <a:t>09/06/2020</a:t>
             </a:fld>
             <a:endParaRPr lang="it-IT"/>
           </a:p>
@@ -1795,7 +1796,7 @@
           </a:lstStyle>
           <a:p>
             <a:fld id="{95B7B0B5-0B63-3644-99A4-AB904A50937F}" type="datetime1">
-              <a:t>05/06/2020</a:t>
+              <a:t>09/06/2020</a:t>
             </a:fld>
             <a:endParaRPr lang="it-IT"/>
           </a:p>
@@ -1974,7 +1975,7 @@
           </a:lstStyle>
           <a:p>
             <a:fld id="{95B7B0B5-0B63-3644-99A4-AB904A50937F}" type="datetime1">
-              <a:t>05/06/2020</a:t>
+              <a:t>09/06/2020</a:t>
             </a:fld>
             <a:endParaRPr lang="it-IT"/>
           </a:p>
@@ -2364,7 +2365,7 @@
           </a:lstStyle>
           <a:p>
             <a:fld id="{95B7B0B5-0B63-3644-99A4-AB904A50937F}" type="datetime1">
-              <a:t>05/06/2020</a:t>
+              <a:t>09/06/2020</a:t>
             </a:fld>
             <a:endParaRPr lang="it-IT"/>
           </a:p>
@@ -2610,7 +2611,7 @@
           </a:lstStyle>
           <a:p>
             <a:fld id="{95B7B0B5-0B63-3644-99A4-AB904A50937F}" type="datetime1">
-              <a:t>05/06/2020</a:t>
+              <a:t>09/06/2020</a:t>
             </a:fld>
             <a:endParaRPr lang="it-IT"/>
           </a:p>
@@ -2682,7 +2683,7 @@
           </a:lstStyle>
           <a:p>
             <a:fld id="{95B7B0B5-0B63-3644-99A4-AB904A50937F}" type="datetime1">
-              <a:t>05/06/2020</a:t>
+              <a:t>09/06/2020</a:t>
             </a:fld>
             <a:endParaRPr lang="it-IT"/>
           </a:p>
@@ -2754,7 +2755,7 @@
           </a:lstStyle>
           <a:p>
             <a:fld id="{95B7B0B5-0B63-3644-99A4-AB904A50937F}" type="datetime1">
-              <a:t>05/06/2020</a:t>
+              <a:t>09/06/2020</a:t>
             </a:fld>
             <a:endParaRPr lang="it-IT"/>
           </a:p>
@@ -2896,7 +2897,7 @@
           </a:lstStyle>
           <a:p>
             <a:fld id="{95B7B0B5-0B63-3644-99A4-AB904A50937F}" type="datetime1">
-              <a:t>05/06/2020</a:t>
+              <a:t>09/06/2020</a:t>
             </a:fld>
             <a:endParaRPr lang="it-IT"/>
           </a:p>
@@ -3042,7 +3043,7 @@
           </a:lstStyle>
           <a:p>
             <a:fld id="{95B7B0B5-0B63-3644-99A4-AB904A50937F}" type="datetime1">
-              <a:t>05/06/2020</a:t>
+              <a:t>09/06/2020</a:t>
             </a:fld>
             <a:endParaRPr lang="it-IT"/>
           </a:p>
@@ -3221,7 +3222,7 @@
           </a:lstStyle>
           <a:p>
             <a:fld id="{95B7B0B5-0B63-3644-99A4-AB904A50937F}" type="datetime1">
-              <a:t>05/06/2020</a:t>
+              <a:t>09/06/2020</a:t>
             </a:fld>
             <a:endParaRPr lang="it-IT"/>
           </a:p>
@@ -3374,7 +3375,7 @@
           </a:lstStyle>
           <a:p>
             <a:fld id="{99831E0E-B4B9-804C-B32F-14C6EC15B13E}" type="datetime1">
-              <a:t>05/06/2020</a:t>
+              <a:t>09/06/2020</a:t>
             </a:fld>
             <a:endParaRPr lang="it-IT"/>
           </a:p>
@@ -3750,7 +3751,7 @@
           </a:lstStyle>
           <a:p>
             <a:fld id="{95B7B0B5-0B63-3644-99A4-AB904A50937F}" type="datetime1">
-              <a:t>05/06/2020</a:t>
+              <a:t>09/06/2020</a:t>
             </a:fld>
             <a:endParaRPr lang="it-IT"/>
           </a:p>
@@ -3822,7 +3823,7 @@
           </a:lstStyle>
           <a:p>
             <a:fld id="{95B7B0B5-0B63-3644-99A4-AB904A50937F}" type="datetime1">
-              <a:t>05/06/2020</a:t>
+              <a:t>09/06/2020</a:t>
             </a:fld>
             <a:endParaRPr lang="it-IT"/>
           </a:p>
@@ -6195,7 +6196,7 @@
           </a:lstStyle>
           <a:p>
             <a:fld id="{95B7B0B5-0B63-3644-99A4-AB904A50937F}" type="datetime1">
-              <a:t>05/06/2020</a:t>
+              <a:t>09/06/2020</a:t>
             </a:fld>
             <a:endParaRPr lang="it-IT"/>
           </a:p>
@@ -8333,11 +8334,20 @@
               </a:lnSpc>
             </a:pPr>
             <a:r>
-              <a:rPr lang="en-US" b="1" dirty="0">
-                <a:latin typeface="Muli" panose="00000500000000000000" pitchFamily="2" charset="0"/>
-              </a:rPr>
-              <a:t>Next steps</a:t>
-            </a:r>
+              <a:rPr lang="en-US" b="1" spc="90" dirty="0">
+                <a:latin typeface="Muli" panose="00000500000000000000" pitchFamily="2" charset="0"/>
+              </a:rPr>
+              <a:t>Other management aspects </a:t>
+            </a:r>
+            <a:r>
+              <a:rPr lang="en-US" b="1" spc="90" dirty="0" smtClean="0">
+                <a:latin typeface="Muli" panose="00000500000000000000" pitchFamily="2" charset="0"/>
+              </a:rPr>
+              <a:t>(2)</a:t>
+            </a:r>
+            <a:endParaRPr lang="en-US" sz="5400" b="1" dirty="0">
+              <a:latin typeface="Muli" panose="00000500000000000000" pitchFamily="2" charset="0"/>
+            </a:endParaRPr>
           </a:p>
         </p:txBody>
       </p:sp>
@@ -8350,7 +8360,7 @@
         <p:spPr>
           <a:xfrm>
             <a:off x="0" y="1212741"/>
-            <a:ext cx="12192000" cy="3631763"/>
+            <a:ext cx="12192000" cy="5555367"/>
           </a:xfrm>
           <a:prstGeom prst="rect">
             <a:avLst/>
@@ -8373,92 +8383,159 @@
             </a:endParaRPr>
           </a:p>
           <a:p>
-            <a:pPr marL="179388"/>
+            <a:pPr marL="522900" indent="-342900">
+              <a:buFont typeface="Arial" panose="020B0604020202020204" pitchFamily="34" charset="0"/>
+              <a:buChar char="•"/>
+            </a:pPr>
             <a:r>
               <a:rPr lang="en-US" sz="2000" dirty="0" smtClean="0">
                 <a:latin typeface="Muli" panose="00000500000000000000" pitchFamily="2" charset="0"/>
               </a:rPr>
-              <a:t>    Submit Periodic Report  </a:t>
-            </a:r>
-          </a:p>
-          <a:p>
-            <a:pPr marL="180000"/>
+              <a:t>Management by exception, </a:t>
+            </a:r>
+          </a:p>
+          <a:p>
+            <a:pPr marL="1160463"/>
+            <a:r>
+              <a:rPr lang="en-US" sz="2000" dirty="0" smtClean="0">
+                <a:latin typeface="Muli" panose="00000500000000000000" pitchFamily="2" charset="0"/>
+              </a:rPr>
+              <a:t>letting WP leaders  be independent and autonomous </a:t>
+            </a:r>
+            <a:br>
+              <a:rPr lang="en-US" sz="2000" dirty="0" smtClean="0">
+                <a:latin typeface="Muli" panose="00000500000000000000" pitchFamily="2" charset="0"/>
+              </a:rPr>
+            </a:br>
+            <a:r>
+              <a:rPr lang="en-US" sz="2000" dirty="0" smtClean="0">
+                <a:latin typeface="Muli" panose="00000500000000000000" pitchFamily="2" charset="0"/>
+              </a:rPr>
+              <a:t>while encouraging collaboration between WPs and with other projects (like ExPaNDS)</a:t>
+            </a:r>
+            <a:br>
+              <a:rPr lang="en-US" sz="2000" dirty="0" smtClean="0">
+                <a:latin typeface="Muli" panose="00000500000000000000" pitchFamily="2" charset="0"/>
+              </a:rPr>
+            </a:br>
+            <a:endParaRPr lang="en-US" sz="2000" dirty="0" smtClean="0">
+              <a:latin typeface="Muli" panose="00000500000000000000" pitchFamily="2" charset="0"/>
+            </a:endParaRPr>
+          </a:p>
+          <a:p>
+            <a:pPr marL="522900" indent="-342900">
+              <a:buFont typeface="Arial" panose="020B0604020202020204" pitchFamily="34" charset="0"/>
+              <a:buChar char="•"/>
+            </a:pPr>
+            <a:r>
+              <a:rPr lang="en-US" sz="2000" dirty="0" smtClean="0">
+                <a:latin typeface="Muli" panose="00000500000000000000" pitchFamily="2" charset="0"/>
+              </a:rPr>
+              <a:t>Reminding WP leaders and PaNOSC partners representatives of major upcoming actions, reports, deliverables and milestones</a:t>
+            </a:r>
+            <a:br>
+              <a:rPr lang="en-US" sz="2000" dirty="0" smtClean="0">
+                <a:latin typeface="Muli" panose="00000500000000000000" pitchFamily="2" charset="0"/>
+              </a:rPr>
+            </a:br>
+            <a:endParaRPr lang="en-US" sz="2000" dirty="0" smtClean="0">
+              <a:latin typeface="Muli" panose="00000500000000000000" pitchFamily="2" charset="0"/>
+            </a:endParaRPr>
+          </a:p>
+          <a:p>
+            <a:pPr marL="522900" indent="-342900">
+              <a:buFont typeface="Arial" panose="020B0604020202020204" pitchFamily="34" charset="0"/>
+              <a:buChar char="•"/>
+            </a:pPr>
+            <a:r>
+              <a:rPr lang="en-US" sz="2000" dirty="0" smtClean="0">
+                <a:latin typeface="Muli" panose="00000500000000000000" pitchFamily="2" charset="0"/>
+              </a:rPr>
+              <a:t>Proactive approach to project management</a:t>
+            </a:r>
+          </a:p>
+          <a:p>
+            <a:pPr marL="1160463" lvl="2" indent="-342900">
+              <a:buFont typeface="Arial" panose="020B0604020202020204" pitchFamily="34" charset="0"/>
+              <a:buChar char="•"/>
+            </a:pPr>
+            <a:r>
+              <a:rPr lang="en-US" sz="2000" dirty="0" smtClean="0">
+                <a:latin typeface="Muli" panose="00000500000000000000" pitchFamily="2" charset="0"/>
+              </a:rPr>
+              <a:t>Regular meetings to follow-up progress</a:t>
+            </a:r>
+          </a:p>
+          <a:p>
+            <a:pPr marL="1160463" lvl="2" indent="-342900">
+              <a:buFont typeface="Arial" panose="020B0604020202020204" pitchFamily="34" charset="0"/>
+              <a:buChar char="•"/>
+            </a:pPr>
+            <a:r>
+              <a:rPr lang="en-US" sz="2000" dirty="0" smtClean="0">
+                <a:latin typeface="Muli" panose="00000500000000000000" pitchFamily="2" charset="0"/>
+              </a:rPr>
+              <a:t>Internal Milestones</a:t>
+            </a:r>
+          </a:p>
+          <a:p>
+            <a:pPr marL="1160463" lvl="2" indent="-342900">
+              <a:buFont typeface="Arial" panose="020B0604020202020204" pitchFamily="34" charset="0"/>
+              <a:buChar char="•"/>
+            </a:pPr>
+            <a:r>
+              <a:rPr lang="en-US" sz="2000" dirty="0" smtClean="0">
+                <a:latin typeface="Muli" panose="00000500000000000000" pitchFamily="2" charset="0"/>
+              </a:rPr>
+              <a:t>Internal Financial Report</a:t>
+            </a:r>
+          </a:p>
+          <a:p>
+            <a:pPr marL="1160463" lvl="2" indent="-342900">
+              <a:buFont typeface="Arial" panose="020B0604020202020204" pitchFamily="34" charset="0"/>
+              <a:buChar char="•"/>
+            </a:pPr>
+            <a:r>
+              <a:rPr lang="en-US" sz="2000" dirty="0" smtClean="0">
+                <a:latin typeface="Muli" panose="00000500000000000000" pitchFamily="2" charset="0"/>
+              </a:rPr>
+              <a:t>New KPIs being introduced (at WP level)</a:t>
+            </a:r>
+          </a:p>
+          <a:p>
+            <a:pPr marL="1160463" lvl="2" indent="-342900">
+              <a:buFont typeface="Arial" panose="020B0604020202020204" pitchFamily="34" charset="0"/>
+              <a:buChar char="•"/>
+            </a:pPr>
             <a:endParaRPr lang="en-US" sz="2000" dirty="0">
               <a:latin typeface="Muli" panose="00000500000000000000" pitchFamily="2" charset="0"/>
             </a:endParaRPr>
           </a:p>
           <a:p>
-            <a:pPr marL="449263"/>
+            <a:pPr marL="536575" lvl="1" indent="-342900">
+              <a:buFont typeface="Arial" panose="020B0604020202020204" pitchFamily="34" charset="0"/>
+              <a:buChar char="•"/>
+            </a:pPr>
             <a:r>
               <a:rPr lang="en-US" sz="2000" dirty="0" smtClean="0">
                 <a:latin typeface="Muli" panose="00000500000000000000" pitchFamily="2" charset="0"/>
               </a:rPr>
-              <a:t>Grant Agreement modifications</a:t>
-            </a:r>
-          </a:p>
-          <a:p>
-            <a:pPr marL="1094400" lvl="2"/>
-            <a:r>
-              <a:rPr lang="en-US" sz="2000" dirty="0" smtClean="0">
-                <a:latin typeface="Muli" panose="00000500000000000000" pitchFamily="2" charset="0"/>
-              </a:rPr>
-              <a:t>ELI-DC transformation into ELI-ERIC</a:t>
-            </a:r>
-          </a:p>
-          <a:p>
-            <a:pPr marL="1094400" lvl="2"/>
-            <a:r>
-              <a:rPr lang="en-US" sz="2000" dirty="0" smtClean="0">
-                <a:latin typeface="Muli" panose="00000500000000000000" pitchFamily="2" charset="0"/>
-              </a:rPr>
-              <a:t>Transfer funds into subcontracting</a:t>
-            </a:r>
-          </a:p>
-          <a:p>
-            <a:pPr marL="637200" lvl="1"/>
-            <a:endParaRPr lang="en-US" sz="2000" dirty="0">
+              <a:t>Being open with the management data (all non-confidential items are available in GitHub)</a:t>
+            </a:r>
+          </a:p>
+          <a:p>
+            <a:pPr marL="180000"/>
+            <a:endParaRPr lang="en-US" sz="2000" b="1" dirty="0">
               <a:latin typeface="Muli" panose="00000500000000000000" pitchFamily="2" charset="0"/>
             </a:endParaRPr>
           </a:p>
           <a:p>
-            <a:pPr marL="449263" lvl="1"/>
-            <a:r>
-              <a:rPr lang="en-US" sz="2000" dirty="0" smtClean="0">
-                <a:latin typeface="Muli" panose="00000500000000000000" pitchFamily="2" charset="0"/>
-              </a:rPr>
-              <a:t>2</a:t>
-            </a:r>
-            <a:r>
-              <a:rPr lang="en-US" sz="2000" baseline="30000" dirty="0" smtClean="0">
-                <a:latin typeface="Muli" panose="00000500000000000000" pitchFamily="2" charset="0"/>
-              </a:rPr>
-              <a:t>nd</a:t>
-            </a:r>
-            <a:r>
-              <a:rPr lang="en-US" sz="2000" dirty="0" smtClean="0">
-                <a:latin typeface="Muli" panose="00000500000000000000" pitchFamily="2" charset="0"/>
-              </a:rPr>
-              <a:t> PaNOSC annual meeting (joint with ExPaNDS)</a:t>
-            </a:r>
-          </a:p>
-          <a:p>
-            <a:pPr marL="449263" lvl="1"/>
-            <a:endParaRPr lang="en-US" sz="2000" dirty="0">
-              <a:latin typeface="Muli" panose="00000500000000000000" pitchFamily="2" charset="0"/>
-            </a:endParaRPr>
-          </a:p>
-          <a:p>
-            <a:pPr marL="449263" lvl="1"/>
-            <a:r>
-              <a:rPr lang="en-US" sz="2000" dirty="0" smtClean="0">
-                <a:latin typeface="Muli" panose="00000500000000000000" pitchFamily="2" charset="0"/>
-              </a:rPr>
-              <a:t>Continue regular meetings and following-up the project</a:t>
-            </a:r>
-          </a:p>
-          <a:p>
-            <a:pPr marL="449263" lvl="1"/>
-            <a:endParaRPr lang="en-US" sz="2000" dirty="0">
+            <a:pPr marL="180000">
+              <a:spcBef>
+                <a:spcPts val="600"/>
+              </a:spcBef>
+            </a:pPr>
+            <a:endParaRPr lang="en-GB" sz="2000" dirty="0">
               <a:latin typeface="Muli" panose="00000500000000000000" pitchFamily="2" charset="0"/>
             </a:endParaRPr>
           </a:p>
@@ -8467,7 +8544,7 @@
     </p:spTree>
     <p:extLst>
       <p:ext uri="{BB962C8B-B14F-4D97-AF65-F5344CB8AC3E}">
-        <p14:creationId xmlns:p14="http://schemas.microsoft.com/office/powerpoint/2010/main" val="2203208398"/>
+        <p14:creationId xmlns:p14="http://schemas.microsoft.com/office/powerpoint/2010/main" val="4293551859"/>
       </p:ext>
     </p:extLst>
   </p:cSld>
@@ -8485,89 +8562,6 @@
 </file>
 
 <file path=ppt/slides/slide11.xml><?xml version="1.0" encoding="utf-8"?>
-<p:sld xmlns:a="http://schemas.openxmlformats.org/drawingml/2006/main" xmlns:r="http://schemas.openxmlformats.org/officeDocument/2006/relationships" xmlns:p="http://schemas.openxmlformats.org/presentationml/2006/main">
-  <p:cSld>
-    <p:spTree>
-      <p:nvGrpSpPr>
-        <p:cNvPr id="1" name=""/>
-        <p:cNvGrpSpPr/>
-        <p:nvPr/>
-      </p:nvGrpSpPr>
-      <p:grpSpPr>
-        <a:xfrm>
-          <a:off x="0" y="0"/>
-          <a:ext cx="0" cy="0"/>
-          <a:chOff x="0" y="0"/>
-          <a:chExt cx="0" cy="0"/>
-        </a:xfrm>
-      </p:grpSpPr>
-      <p:sp>
-        <p:nvSpPr>
-          <p:cNvPr id="2" name="Title 1"/>
-          <p:cNvSpPr>
-            <a:spLocks noGrp="1"/>
-          </p:cNvSpPr>
-          <p:nvPr>
-            <p:ph type="ctrTitle"/>
-          </p:nvPr>
-        </p:nvSpPr>
-        <p:spPr/>
-        <p:txBody>
-          <a:bodyPr/>
-          <a:lstStyle/>
-          <a:p>
-            <a:r>
-              <a:rPr lang="en-US" dirty="0" smtClean="0"/>
-              <a:t>Thank you</a:t>
-            </a:r>
-            <a:endParaRPr lang="en-US" dirty="0"/>
-          </a:p>
-        </p:txBody>
-      </p:sp>
-      <p:sp>
-        <p:nvSpPr>
-          <p:cNvPr id="4" name="Subtitle 3"/>
-          <p:cNvSpPr>
-            <a:spLocks noGrp="1"/>
-          </p:cNvSpPr>
-          <p:nvPr>
-            <p:ph type="subTitle" idx="4"/>
-          </p:nvPr>
-        </p:nvSpPr>
-        <p:spPr/>
-        <p:txBody>
-          <a:bodyPr/>
-          <a:lstStyle/>
-          <a:p>
-            <a:r>
-              <a:rPr lang="en-US" dirty="0" smtClean="0"/>
-              <a:t>Jordi.bodera@esrf.fr</a:t>
-            </a:r>
-            <a:endParaRPr lang="en-US" dirty="0"/>
-          </a:p>
-        </p:txBody>
-      </p:sp>
-    </p:spTree>
-    <p:extLst>
-      <p:ext uri="{BB962C8B-B14F-4D97-AF65-F5344CB8AC3E}">
-        <p14:creationId xmlns:p14="http://schemas.microsoft.com/office/powerpoint/2010/main" val="80078313"/>
-      </p:ext>
-    </p:extLst>
-  </p:cSld>
-  <p:clrMapOvr>
-    <a:masterClrMapping/>
-  </p:clrMapOvr>
-  <p:timing>
-    <p:tnLst>
-      <p:par>
-        <p:cTn id="1" dur="indefinite" restart="never" nodeType="tmRoot"/>
-      </p:par>
-    </p:tnLst>
-  </p:timing>
-</p:sld>
-</file>
-
-<file path=ppt/slides/slide12.xml><?xml version="1.0" encoding="utf-8"?>
 <p:sld xmlns:a="http://schemas.openxmlformats.org/drawingml/2006/main" xmlns:r="http://schemas.openxmlformats.org/officeDocument/2006/relationships" xmlns:p="http://schemas.openxmlformats.org/presentationml/2006/main">
   <p:cSld>
     <p:spTree>
@@ -8631,14 +8625,11 @@
               </a:lnSpc>
             </a:pPr>
             <a:r>
-              <a:rPr lang="en-US" b="1" dirty="0" smtClean="0">
-                <a:latin typeface="Muli" panose="00000500000000000000" pitchFamily="2" charset="0"/>
-              </a:rPr>
-              <a:t>Risks</a:t>
-            </a:r>
-            <a:endParaRPr lang="en-US" b="1" dirty="0">
-              <a:latin typeface="Muli" panose="00000500000000000000" pitchFamily="2" charset="0"/>
-            </a:endParaRPr>
+              <a:rPr lang="en-US" b="1" dirty="0">
+                <a:latin typeface="Muli" panose="00000500000000000000" pitchFamily="2" charset="0"/>
+              </a:rPr>
+              <a:t>Next steps</a:t>
+            </a:r>
           </a:p>
         </p:txBody>
       </p:sp>
@@ -8651,7 +8642,7 @@
         <p:spPr>
           <a:xfrm>
             <a:off x="0" y="1212741"/>
-            <a:ext cx="12192000" cy="4708981"/>
+            <a:ext cx="12192000" cy="3631763"/>
           </a:xfrm>
           <a:prstGeom prst="rect">
             <a:avLst/>
@@ -8664,182 +8655,194 @@
           </a:bodyPr>
           <a:lstStyle/>
           <a:p>
-            <a:pPr marL="449263" lvl="1"/>
-            <a:endParaRPr lang="en-US" sz="2000" dirty="0" smtClean="0">
+            <a:pPr marL="180000">
+              <a:lnSpc>
+                <a:spcPct val="150000"/>
+              </a:lnSpc>
+            </a:pPr>
+            <a:endParaRPr lang="en-US" sz="2000" b="1" dirty="0" smtClean="0">
               <a:latin typeface="Muli" panose="00000500000000000000" pitchFamily="2" charset="0"/>
             </a:endParaRPr>
           </a:p>
           <a:p>
-            <a:pPr marL="449263" lvl="1"/>
+            <a:pPr marL="179388"/>
             <a:r>
               <a:rPr lang="en-US" sz="2000" dirty="0" smtClean="0">
                 <a:latin typeface="Muli" panose="00000500000000000000" pitchFamily="2" charset="0"/>
               </a:rPr>
-              <a:t>We follow a standard Risk Management methodology:</a:t>
-            </a:r>
-          </a:p>
-          <a:p>
-            <a:pPr marL="792163" lvl="1" indent="-342900">
-              <a:buFont typeface="Arial" panose="020B0604020202020204" pitchFamily="34" charset="0"/>
-              <a:buChar char="•"/>
-            </a:pPr>
-            <a:r>
-              <a:rPr lang="en-US" sz="2000" dirty="0" smtClean="0">
-                <a:latin typeface="Muli" panose="00000500000000000000" pitchFamily="2" charset="0"/>
-              </a:rPr>
-              <a:t>Assessing risks based on likelihood and impact</a:t>
-            </a:r>
-          </a:p>
-          <a:p>
-            <a:pPr marL="792163" lvl="1" indent="-342900">
-              <a:buFont typeface="Arial" panose="020B0604020202020204" pitchFamily="34" charset="0"/>
-              <a:buChar char="•"/>
-            </a:pPr>
-            <a:r>
-              <a:rPr lang="en-US" sz="2000" dirty="0" smtClean="0">
-                <a:latin typeface="Muli" panose="00000500000000000000" pitchFamily="2" charset="0"/>
-              </a:rPr>
-              <a:t>Nominating risk owners</a:t>
-            </a:r>
-          </a:p>
-          <a:p>
-            <a:pPr marL="792163" lvl="1" indent="-342900">
-              <a:buFont typeface="Arial" panose="020B0604020202020204" pitchFamily="34" charset="0"/>
-              <a:buChar char="•"/>
-            </a:pPr>
+              <a:t>    Submit Periodic Report  </a:t>
+            </a:r>
+          </a:p>
+          <a:p>
+            <a:pPr marL="180000"/>
             <a:endParaRPr lang="en-US" sz="2000" dirty="0">
               <a:latin typeface="Muli" panose="00000500000000000000" pitchFamily="2" charset="0"/>
             </a:endParaRPr>
           </a:p>
           <a:p>
-            <a:pPr marL="792163" lvl="1" indent="-342900">
-              <a:buFont typeface="Arial" panose="020B0604020202020204" pitchFamily="34" charset="0"/>
-              <a:buChar char="•"/>
-            </a:pPr>
-            <a:endParaRPr lang="en-US" sz="2000" dirty="0" smtClean="0">
-              <a:latin typeface="Muli" panose="00000500000000000000" pitchFamily="2" charset="0"/>
-            </a:endParaRPr>
-          </a:p>
-          <a:p>
-            <a:pPr marL="792163" lvl="1" indent="-342900">
-              <a:buFont typeface="Arial" panose="020B0604020202020204" pitchFamily="34" charset="0"/>
-              <a:buChar char="•"/>
-            </a:pPr>
+            <a:pPr marL="449263"/>
+            <a:r>
+              <a:rPr lang="en-US" sz="2000" dirty="0" smtClean="0">
+                <a:latin typeface="Muli" panose="00000500000000000000" pitchFamily="2" charset="0"/>
+              </a:rPr>
+              <a:t>Grant Agreement modifications</a:t>
+            </a:r>
+          </a:p>
+          <a:p>
+            <a:pPr marL="1094400" lvl="2"/>
+            <a:r>
+              <a:rPr lang="en-US" sz="2000" dirty="0" smtClean="0">
+                <a:latin typeface="Muli" panose="00000500000000000000" pitchFamily="2" charset="0"/>
+              </a:rPr>
+              <a:t>ELI-DC transformation into ELI-ERIC</a:t>
+            </a:r>
+          </a:p>
+          <a:p>
+            <a:pPr marL="1094400" lvl="2"/>
+            <a:r>
+              <a:rPr lang="en-US" sz="2000" dirty="0" smtClean="0">
+                <a:latin typeface="Muli" panose="00000500000000000000" pitchFamily="2" charset="0"/>
+              </a:rPr>
+              <a:t>Transfer funds into subcontracting</a:t>
+            </a:r>
+          </a:p>
+          <a:p>
+            <a:pPr marL="637200" lvl="1"/>
             <a:endParaRPr lang="en-US" sz="2000" dirty="0">
               <a:latin typeface="Muli" panose="00000500000000000000" pitchFamily="2" charset="0"/>
             </a:endParaRPr>
           </a:p>
           <a:p>
-            <a:pPr marL="792163" lvl="1" indent="-342900">
-              <a:buFont typeface="Arial" panose="020B0604020202020204" pitchFamily="34" charset="0"/>
-              <a:buChar char="•"/>
-            </a:pPr>
-            <a:endParaRPr lang="en-US" sz="2000" dirty="0" smtClean="0">
-              <a:latin typeface="Muli" panose="00000500000000000000" pitchFamily="2" charset="0"/>
-            </a:endParaRPr>
-          </a:p>
-          <a:p>
-            <a:pPr marL="792163" lvl="1" indent="-342900">
-              <a:buFont typeface="Arial" panose="020B0604020202020204" pitchFamily="34" charset="0"/>
-              <a:buChar char="•"/>
-            </a:pPr>
+            <a:pPr marL="449263" lvl="1"/>
+            <a:r>
+              <a:rPr lang="en-US" sz="2000" dirty="0" smtClean="0">
+                <a:latin typeface="Muli" panose="00000500000000000000" pitchFamily="2" charset="0"/>
+              </a:rPr>
+              <a:t>2</a:t>
+            </a:r>
+            <a:r>
+              <a:rPr lang="en-US" sz="2000" baseline="30000" dirty="0" smtClean="0">
+                <a:latin typeface="Muli" panose="00000500000000000000" pitchFamily="2" charset="0"/>
+              </a:rPr>
+              <a:t>nd</a:t>
+            </a:r>
+            <a:r>
+              <a:rPr lang="en-US" sz="2000" dirty="0" smtClean="0">
+                <a:latin typeface="Muli" panose="00000500000000000000" pitchFamily="2" charset="0"/>
+              </a:rPr>
+              <a:t> PaNOSC annual meeting (joint with ExPaNDS)</a:t>
+            </a:r>
+          </a:p>
+          <a:p>
+            <a:pPr marL="449263" lvl="1"/>
             <a:endParaRPr lang="en-US" sz="2000" dirty="0">
               <a:latin typeface="Muli" panose="00000500000000000000" pitchFamily="2" charset="0"/>
             </a:endParaRPr>
           </a:p>
           <a:p>
-            <a:pPr marL="792163" lvl="1" indent="-342900">
-              <a:buFont typeface="Arial" panose="020B0604020202020204" pitchFamily="34" charset="0"/>
-              <a:buChar char="•"/>
-            </a:pPr>
-            <a:endParaRPr lang="en-US" sz="2000" dirty="0" smtClean="0">
-              <a:latin typeface="Muli" panose="00000500000000000000" pitchFamily="2" charset="0"/>
-            </a:endParaRPr>
-          </a:p>
-          <a:p>
-            <a:pPr marL="792163" lvl="1" indent="-342900">
-              <a:buFont typeface="Arial" panose="020B0604020202020204" pitchFamily="34" charset="0"/>
-              <a:buChar char="•"/>
-            </a:pPr>
+            <a:pPr marL="449263" lvl="1"/>
+            <a:r>
+              <a:rPr lang="en-US" sz="2000" dirty="0" smtClean="0">
+                <a:latin typeface="Muli" panose="00000500000000000000" pitchFamily="2" charset="0"/>
+              </a:rPr>
+              <a:t>Continue regular meetings and following-up the project</a:t>
+            </a:r>
+          </a:p>
+          <a:p>
+            <a:pPr marL="449263" lvl="1"/>
             <a:endParaRPr lang="en-US" sz="2000" dirty="0">
               <a:latin typeface="Muli" panose="00000500000000000000" pitchFamily="2" charset="0"/>
             </a:endParaRPr>
           </a:p>
-          <a:p>
-            <a:pPr marL="792163" lvl="1" indent="-342900">
-              <a:buFont typeface="Arial" panose="020B0604020202020204" pitchFamily="34" charset="0"/>
-              <a:buChar char="•"/>
-            </a:pPr>
-            <a:r>
-              <a:rPr lang="en-US" sz="2000" dirty="0" smtClean="0">
-                <a:latin typeface="Muli" panose="00000500000000000000" pitchFamily="2" charset="0"/>
-              </a:rPr>
-              <a:t>25 risks identified (10 medium, 15 low), among them:</a:t>
-            </a:r>
-          </a:p>
-          <a:p>
-            <a:pPr marL="1249363" lvl="2" indent="-342900">
-              <a:buFont typeface="Arial" panose="020B0604020202020204" pitchFamily="34" charset="0"/>
-              <a:buChar char="•"/>
-            </a:pPr>
-            <a:r>
-              <a:rPr lang="en-US" sz="2000" dirty="0" smtClean="0">
-                <a:latin typeface="Muli" panose="00000500000000000000" pitchFamily="2" charset="0"/>
-              </a:rPr>
-              <a:t>Staff shortages</a:t>
-            </a:r>
-          </a:p>
-          <a:p>
-            <a:pPr marL="1249363" lvl="2" indent="-342900">
-              <a:buFont typeface="Arial" panose="020B0604020202020204" pitchFamily="34" charset="0"/>
-              <a:buChar char="•"/>
-            </a:pPr>
-            <a:r>
-              <a:rPr lang="en-US" sz="2000" dirty="0" smtClean="0">
-                <a:latin typeface="Muli" panose="00000500000000000000" pitchFamily="2" charset="0"/>
-              </a:rPr>
-              <a:t>EOSC delays / structure</a:t>
-            </a:r>
-          </a:p>
-          <a:p>
-            <a:pPr marL="792163" lvl="1" indent="-342900">
-              <a:buFont typeface="Arial" panose="020B0604020202020204" pitchFamily="34" charset="0"/>
-              <a:buChar char="•"/>
-            </a:pPr>
-            <a:endParaRPr lang="en-US" sz="2000" dirty="0">
-              <a:latin typeface="Muli" panose="00000500000000000000" pitchFamily="2" charset="0"/>
-            </a:endParaRPr>
-          </a:p>
         </p:txBody>
       </p:sp>
-      <p:pic>
-        <p:nvPicPr>
-          <p:cNvPr id="4" name="Picture 3"/>
-          <p:cNvPicPr>
-            <a:picLocks noChangeAspect="1"/>
-          </p:cNvPicPr>
-          <p:nvPr/>
-        </p:nvPicPr>
-        <p:blipFill>
-          <a:blip r:embed="rId2"/>
-          <a:stretch>
-            <a:fillRect/>
-          </a:stretch>
-        </p:blipFill>
-        <p:spPr>
-          <a:xfrm>
-            <a:off x="2819400" y="2590800"/>
-            <a:ext cx="6057260" cy="1857375"/>
-          </a:xfrm>
-          <a:prstGeom prst="rect">
-            <a:avLst/>
-          </a:prstGeom>
-        </p:spPr>
-      </p:pic>
     </p:spTree>
     <p:extLst>
       <p:ext uri="{BB962C8B-B14F-4D97-AF65-F5344CB8AC3E}">
-        <p14:creationId xmlns:p14="http://schemas.microsoft.com/office/powerpoint/2010/main" val="2881154974"/>
+        <p14:creationId xmlns:p14="http://schemas.microsoft.com/office/powerpoint/2010/main" val="2203208398"/>
+      </p:ext>
+    </p:extLst>
+  </p:cSld>
+  <p:clrMapOvr>
+    <a:masterClrMapping/>
+  </p:clrMapOvr>
+  <p:timing>
+    <p:tnLst>
+      <p:par>
+        <p:cTn id="1" dur="indefinite" restart="never" nodeType="tmRoot"/>
+      </p:par>
+    </p:tnLst>
+  </p:timing>
+</p:sld>
+</file>
+
+<file path=ppt/slides/slide12.xml><?xml version="1.0" encoding="utf-8"?>
+<p:sld xmlns:a="http://schemas.openxmlformats.org/drawingml/2006/main" xmlns:r="http://schemas.openxmlformats.org/officeDocument/2006/relationships" xmlns:p="http://schemas.openxmlformats.org/presentationml/2006/main">
+  <p:cSld>
+    <p:spTree>
+      <p:nvGrpSpPr>
+        <p:cNvPr id="1" name=""/>
+        <p:cNvGrpSpPr/>
+        <p:nvPr/>
+      </p:nvGrpSpPr>
+      <p:grpSpPr>
+        <a:xfrm>
+          <a:off x="0" y="0"/>
+          <a:ext cx="0" cy="0"/>
+          <a:chOff x="0" y="0"/>
+          <a:chExt cx="0" cy="0"/>
+        </a:xfrm>
+      </p:grpSpPr>
+      <p:sp>
+        <p:nvSpPr>
+          <p:cNvPr id="2" name="Title 1"/>
+          <p:cNvSpPr>
+            <a:spLocks noGrp="1"/>
+          </p:cNvSpPr>
+          <p:nvPr>
+            <p:ph type="ctrTitle"/>
+          </p:nvPr>
+        </p:nvSpPr>
+        <p:spPr/>
+        <p:txBody>
+          <a:bodyPr/>
+          <a:lstStyle/>
+          <a:p>
+            <a:r>
+              <a:rPr lang="en-US" dirty="0" smtClean="0"/>
+              <a:t>Thank you</a:t>
+            </a:r>
+            <a:endParaRPr lang="en-US" dirty="0"/>
+          </a:p>
+        </p:txBody>
+      </p:sp>
+      <p:sp>
+        <p:nvSpPr>
+          <p:cNvPr id="4" name="Subtitle 3"/>
+          <p:cNvSpPr>
+            <a:spLocks noGrp="1"/>
+          </p:cNvSpPr>
+          <p:nvPr>
+            <p:ph type="subTitle" idx="4"/>
+          </p:nvPr>
+        </p:nvSpPr>
+        <p:spPr/>
+        <p:txBody>
+          <a:bodyPr/>
+          <a:lstStyle/>
+          <a:p>
+            <a:r>
+              <a:rPr lang="en-US" dirty="0" smtClean="0"/>
+              <a:t>Jordi.bodera@esrf.fr</a:t>
+            </a:r>
+            <a:endParaRPr lang="en-US" dirty="0"/>
+          </a:p>
+        </p:txBody>
+      </p:sp>
+    </p:spTree>
+    <p:extLst>
+      <p:ext uri="{BB962C8B-B14F-4D97-AF65-F5344CB8AC3E}">
+        <p14:creationId xmlns:p14="http://schemas.microsoft.com/office/powerpoint/2010/main" val="80078313"/>
       </p:ext>
     </p:extLst>
   </p:cSld>
@@ -8923,6 +8926,295 @@
               <a:rPr lang="en-US" b="1" dirty="0" smtClean="0">
                 <a:latin typeface="Muli" panose="00000500000000000000" pitchFamily="2" charset="0"/>
               </a:rPr>
+              <a:t>Risks</a:t>
+            </a:r>
+            <a:endParaRPr lang="en-US" b="1" dirty="0">
+              <a:latin typeface="Muli" panose="00000500000000000000" pitchFamily="2" charset="0"/>
+            </a:endParaRPr>
+          </a:p>
+        </p:txBody>
+      </p:sp>
+      <p:sp>
+        <p:nvSpPr>
+          <p:cNvPr id="3" name="TextBox 2"/>
+          <p:cNvSpPr txBox="1"/>
+          <p:nvPr/>
+        </p:nvSpPr>
+        <p:spPr>
+          <a:xfrm>
+            <a:off x="0" y="1212741"/>
+            <a:ext cx="12192000" cy="4708981"/>
+          </a:xfrm>
+          <a:prstGeom prst="rect">
+            <a:avLst/>
+          </a:prstGeom>
+          <a:noFill/>
+        </p:spPr>
+        <p:txBody>
+          <a:bodyPr wrap="square" rtlCol="0">
+            <a:spAutoFit/>
+          </a:bodyPr>
+          <a:lstStyle/>
+          <a:p>
+            <a:pPr marL="449263" lvl="1"/>
+            <a:endParaRPr lang="en-US" sz="2000" dirty="0" smtClean="0">
+              <a:latin typeface="Muli" panose="00000500000000000000" pitchFamily="2" charset="0"/>
+            </a:endParaRPr>
+          </a:p>
+          <a:p>
+            <a:pPr marL="449263" lvl="1"/>
+            <a:r>
+              <a:rPr lang="en-US" sz="2000" dirty="0" smtClean="0">
+                <a:latin typeface="Muli" panose="00000500000000000000" pitchFamily="2" charset="0"/>
+              </a:rPr>
+              <a:t>We follow a standard Risk Management methodology:</a:t>
+            </a:r>
+          </a:p>
+          <a:p>
+            <a:pPr marL="792163" lvl="1" indent="-342900">
+              <a:buFont typeface="Arial" panose="020B0604020202020204" pitchFamily="34" charset="0"/>
+              <a:buChar char="•"/>
+            </a:pPr>
+            <a:r>
+              <a:rPr lang="en-US" sz="2000" dirty="0" smtClean="0">
+                <a:latin typeface="Muli" panose="00000500000000000000" pitchFamily="2" charset="0"/>
+              </a:rPr>
+              <a:t>Assessing risks based on likelihood and impact</a:t>
+            </a:r>
+          </a:p>
+          <a:p>
+            <a:pPr marL="792163" lvl="1" indent="-342900">
+              <a:buFont typeface="Arial" panose="020B0604020202020204" pitchFamily="34" charset="0"/>
+              <a:buChar char="•"/>
+            </a:pPr>
+            <a:r>
+              <a:rPr lang="en-US" sz="2000" dirty="0" smtClean="0">
+                <a:latin typeface="Muli" panose="00000500000000000000" pitchFamily="2" charset="0"/>
+              </a:rPr>
+              <a:t>Nominating risk owners</a:t>
+            </a:r>
+          </a:p>
+          <a:p>
+            <a:pPr marL="792163" lvl="1" indent="-342900">
+              <a:buFont typeface="Arial" panose="020B0604020202020204" pitchFamily="34" charset="0"/>
+              <a:buChar char="•"/>
+            </a:pPr>
+            <a:endParaRPr lang="en-US" sz="2000" dirty="0">
+              <a:latin typeface="Muli" panose="00000500000000000000" pitchFamily="2" charset="0"/>
+            </a:endParaRPr>
+          </a:p>
+          <a:p>
+            <a:pPr marL="792163" lvl="1" indent="-342900">
+              <a:buFont typeface="Arial" panose="020B0604020202020204" pitchFamily="34" charset="0"/>
+              <a:buChar char="•"/>
+            </a:pPr>
+            <a:endParaRPr lang="en-US" sz="2000" dirty="0" smtClean="0">
+              <a:latin typeface="Muli" panose="00000500000000000000" pitchFamily="2" charset="0"/>
+            </a:endParaRPr>
+          </a:p>
+          <a:p>
+            <a:pPr marL="792163" lvl="1" indent="-342900">
+              <a:buFont typeface="Arial" panose="020B0604020202020204" pitchFamily="34" charset="0"/>
+              <a:buChar char="•"/>
+            </a:pPr>
+            <a:endParaRPr lang="en-US" sz="2000" dirty="0">
+              <a:latin typeface="Muli" panose="00000500000000000000" pitchFamily="2" charset="0"/>
+            </a:endParaRPr>
+          </a:p>
+          <a:p>
+            <a:pPr marL="792163" lvl="1" indent="-342900">
+              <a:buFont typeface="Arial" panose="020B0604020202020204" pitchFamily="34" charset="0"/>
+              <a:buChar char="•"/>
+            </a:pPr>
+            <a:endParaRPr lang="en-US" sz="2000" dirty="0" smtClean="0">
+              <a:latin typeface="Muli" panose="00000500000000000000" pitchFamily="2" charset="0"/>
+            </a:endParaRPr>
+          </a:p>
+          <a:p>
+            <a:pPr marL="792163" lvl="1" indent="-342900">
+              <a:buFont typeface="Arial" panose="020B0604020202020204" pitchFamily="34" charset="0"/>
+              <a:buChar char="•"/>
+            </a:pPr>
+            <a:endParaRPr lang="en-US" sz="2000" dirty="0">
+              <a:latin typeface="Muli" panose="00000500000000000000" pitchFamily="2" charset="0"/>
+            </a:endParaRPr>
+          </a:p>
+          <a:p>
+            <a:pPr marL="792163" lvl="1" indent="-342900">
+              <a:buFont typeface="Arial" panose="020B0604020202020204" pitchFamily="34" charset="0"/>
+              <a:buChar char="•"/>
+            </a:pPr>
+            <a:endParaRPr lang="en-US" sz="2000" dirty="0" smtClean="0">
+              <a:latin typeface="Muli" panose="00000500000000000000" pitchFamily="2" charset="0"/>
+            </a:endParaRPr>
+          </a:p>
+          <a:p>
+            <a:pPr marL="792163" lvl="1" indent="-342900">
+              <a:buFont typeface="Arial" panose="020B0604020202020204" pitchFamily="34" charset="0"/>
+              <a:buChar char="•"/>
+            </a:pPr>
+            <a:endParaRPr lang="en-US" sz="2000" dirty="0">
+              <a:latin typeface="Muli" panose="00000500000000000000" pitchFamily="2" charset="0"/>
+            </a:endParaRPr>
+          </a:p>
+          <a:p>
+            <a:pPr marL="792163" lvl="1" indent="-342900">
+              <a:buFont typeface="Arial" panose="020B0604020202020204" pitchFamily="34" charset="0"/>
+              <a:buChar char="•"/>
+            </a:pPr>
+            <a:r>
+              <a:rPr lang="en-US" sz="2000" dirty="0" smtClean="0">
+                <a:latin typeface="Muli" panose="00000500000000000000" pitchFamily="2" charset="0"/>
+              </a:rPr>
+              <a:t>25 risks identified (10 medium, 15 low), among them:</a:t>
+            </a:r>
+          </a:p>
+          <a:p>
+            <a:pPr marL="1249363" lvl="2" indent="-342900">
+              <a:buFont typeface="Arial" panose="020B0604020202020204" pitchFamily="34" charset="0"/>
+              <a:buChar char="•"/>
+            </a:pPr>
+            <a:r>
+              <a:rPr lang="en-US" sz="2000" dirty="0" smtClean="0">
+                <a:latin typeface="Muli" panose="00000500000000000000" pitchFamily="2" charset="0"/>
+              </a:rPr>
+              <a:t>Staff shortages</a:t>
+            </a:r>
+          </a:p>
+          <a:p>
+            <a:pPr marL="1249363" lvl="2" indent="-342900">
+              <a:buFont typeface="Arial" panose="020B0604020202020204" pitchFamily="34" charset="0"/>
+              <a:buChar char="•"/>
+            </a:pPr>
+            <a:r>
+              <a:rPr lang="en-US" sz="2000" dirty="0" smtClean="0">
+                <a:latin typeface="Muli" panose="00000500000000000000" pitchFamily="2" charset="0"/>
+              </a:rPr>
+              <a:t>EOSC delays / structure</a:t>
+            </a:r>
+          </a:p>
+          <a:p>
+            <a:pPr marL="792163" lvl="1" indent="-342900">
+              <a:buFont typeface="Arial" panose="020B0604020202020204" pitchFamily="34" charset="0"/>
+              <a:buChar char="•"/>
+            </a:pPr>
+            <a:endParaRPr lang="en-US" sz="2000" dirty="0">
+              <a:latin typeface="Muli" panose="00000500000000000000" pitchFamily="2" charset="0"/>
+            </a:endParaRPr>
+          </a:p>
+        </p:txBody>
+      </p:sp>
+      <p:pic>
+        <p:nvPicPr>
+          <p:cNvPr id="4" name="Picture 3"/>
+          <p:cNvPicPr>
+            <a:picLocks noChangeAspect="1"/>
+          </p:cNvPicPr>
+          <p:nvPr/>
+        </p:nvPicPr>
+        <p:blipFill>
+          <a:blip r:embed="rId2"/>
+          <a:stretch>
+            <a:fillRect/>
+          </a:stretch>
+        </p:blipFill>
+        <p:spPr>
+          <a:xfrm>
+            <a:off x="2819400" y="2590800"/>
+            <a:ext cx="6057260" cy="1857375"/>
+          </a:xfrm>
+          <a:prstGeom prst="rect">
+            <a:avLst/>
+          </a:prstGeom>
+        </p:spPr>
+      </p:pic>
+    </p:spTree>
+    <p:extLst>
+      <p:ext uri="{BB962C8B-B14F-4D97-AF65-F5344CB8AC3E}">
+        <p14:creationId xmlns:p14="http://schemas.microsoft.com/office/powerpoint/2010/main" val="2881154974"/>
+      </p:ext>
+    </p:extLst>
+  </p:cSld>
+  <p:clrMapOvr>
+    <a:masterClrMapping/>
+  </p:clrMapOvr>
+  <p:timing>
+    <p:tnLst>
+      <p:par>
+        <p:cTn id="1" dur="indefinite" restart="never" nodeType="tmRoot"/>
+      </p:par>
+    </p:tnLst>
+  </p:timing>
+</p:sld>
+</file>
+
+<file path=ppt/slides/slide14.xml><?xml version="1.0" encoding="utf-8"?>
+<p:sld xmlns:a="http://schemas.openxmlformats.org/drawingml/2006/main" xmlns:r="http://schemas.openxmlformats.org/officeDocument/2006/relationships" xmlns:p="http://schemas.openxmlformats.org/presentationml/2006/main">
+  <p:cSld>
+    <p:spTree>
+      <p:nvGrpSpPr>
+        <p:cNvPr id="1" name=""/>
+        <p:cNvGrpSpPr/>
+        <p:nvPr/>
+      </p:nvGrpSpPr>
+      <p:grpSpPr>
+        <a:xfrm>
+          <a:off x="0" y="0"/>
+          <a:ext cx="0" cy="0"/>
+          <a:chOff x="0" y="0"/>
+          <a:chExt cx="0" cy="0"/>
+        </a:xfrm>
+      </p:grpSpPr>
+      <p:sp>
+        <p:nvSpPr>
+          <p:cNvPr id="2" name="Title 5"/>
+          <p:cNvSpPr txBox="1">
+            <a:spLocks/>
+          </p:cNvSpPr>
+          <p:nvPr/>
+        </p:nvSpPr>
+        <p:spPr>
+          <a:xfrm>
+            <a:off x="0" y="0"/>
+            <a:ext cx="12192000" cy="1212741"/>
+          </a:xfrm>
+          <a:prstGeom prst="rect">
+            <a:avLst/>
+          </a:prstGeom>
+          <a:solidFill>
+            <a:schemeClr val="bg1">
+              <a:lumMod val="95000"/>
+            </a:schemeClr>
+          </a:solidFill>
+        </p:spPr>
+        <p:txBody>
+          <a:bodyPr/>
+          <a:lstStyle>
+            <a:lvl1pPr algn="ctr" defTabSz="457200" rtl="0" eaLnBrk="1" latinLnBrk="0" hangingPunct="1">
+              <a:spcBef>
+                <a:spcPct val="0"/>
+              </a:spcBef>
+              <a:buNone/>
+              <a:defRPr sz="4400" kern="1200">
+                <a:solidFill>
+                  <a:schemeClr val="tx1"/>
+                </a:solidFill>
+                <a:latin typeface="+mj-lt"/>
+                <a:ea typeface="+mj-ea"/>
+                <a:cs typeface="+mj-cs"/>
+              </a:defRPr>
+            </a:lvl1pPr>
+          </a:lstStyle>
+          <a:p>
+            <a:pPr marL="180000" algn="l">
+              <a:lnSpc>
+                <a:spcPct val="150000"/>
+              </a:lnSpc>
+            </a:pPr>
+            <a:r>
+              <a:rPr lang="en-US" b="1" dirty="0" smtClean="0">
+                <a:latin typeface="Muli" panose="00000500000000000000" pitchFamily="2" charset="0"/>
+              </a:rPr>
               <a:t>Medium Risks</a:t>
             </a:r>
             <a:endParaRPr lang="en-US" b="1" dirty="0">
@@ -9032,7 +9324,7 @@
           <p:nvPr>
             <p:extLst>
               <p:ext uri="{D42A27DB-BD31-4B8C-83A1-F6EECF244321}">
-                <p14:modId xmlns:p14="http://schemas.microsoft.com/office/powerpoint/2010/main" val="1713230462"/>
+                <p14:modId xmlns:p14="http://schemas.microsoft.com/office/powerpoint/2010/main" val="2502967172"/>
               </p:ext>
             </p:extLst>
           </p:nvPr>
@@ -9235,7 +9527,7 @@
                       <a:r>
                         <a:rPr lang="en-GB" sz="1600" b="0" i="0" u="none" strike="noStrike" dirty="0">
                           <a:solidFill>
-                            <a:srgbClr val="000000"/>
+                            <a:schemeClr val="tx1"/>
                           </a:solidFill>
                           <a:effectLst/>
                           <a:latin typeface="Muli" panose="00000500000000000000" pitchFamily="2" charset="0"/>
@@ -9245,7 +9537,7 @@
                       <a:r>
                         <a:rPr lang="en-GB" sz="1600" b="0" i="0" u="none" strike="noStrike" dirty="0" smtClean="0">
                           <a:solidFill>
-                            <a:srgbClr val="000000"/>
+                            <a:schemeClr val="tx1"/>
                           </a:solidFill>
                           <a:effectLst/>
                           <a:latin typeface="Muli" panose="00000500000000000000" pitchFamily="2" charset="0"/>
@@ -9254,7 +9546,7 @@
                       </a:r>
                       <a:endParaRPr lang="en-GB" sz="1600" b="0" i="0" u="none" strike="noStrike" dirty="0">
                         <a:solidFill>
-                          <a:srgbClr val="000000"/>
+                          <a:schemeClr val="tx1"/>
                         </a:solidFill>
                         <a:effectLst/>
                         <a:latin typeface="Muli" panose="00000500000000000000" pitchFamily="2" charset="0"/>
@@ -9299,10 +9591,7 @@
                       <a:tailEnd type="none" w="med" len="med"/>
                     </a:lnB>
                     <a:solidFill>
-                      <a:schemeClr val="accent3">
-                        <a:lumMod val="40000"/>
-                        <a:lumOff val="60000"/>
-                      </a:schemeClr>
+                      <a:schemeClr val="bg1"/>
                     </a:solidFill>
                   </a:tcPr>
                 </a:tc>
@@ -9313,22 +9602,28 @@
                     <a:p>
                       <a:pPr marL="72000" algn="l" fontAlgn="b"/>
                       <a:r>
-                        <a:rPr lang="en-US" sz="1600" b="1" i="0" u="none" strike="noStrike" dirty="0" smtClean="0">
+                        <a:rPr lang="en-US" sz="1600" b="0" i="0" u="none" strike="noStrike" dirty="0" smtClean="0">
                           <a:solidFill>
-                            <a:schemeClr val="accent3">
-                              <a:lumMod val="50000"/>
-                            </a:schemeClr>
+                            <a:schemeClr val="tx1"/>
                           </a:solidFill>
                           <a:effectLst/>
                           <a:latin typeface="Muli" panose="00000500000000000000" pitchFamily="2" charset="0"/>
                         </a:rPr>
-                        <a:t>No problems in this area and no indication that may happen</a:t>
+                        <a:t>Constant</a:t>
                       </a:r>
-                      <a:endParaRPr lang="en-GB" sz="1600" b="1" i="0" u="none" strike="noStrike" dirty="0">
+                      <a:r>
+                        <a:rPr lang="en-US" sz="1600" b="0" i="0" u="none" strike="noStrike" baseline="0" dirty="0" smtClean="0">
+                          <a:solidFill>
+                            <a:schemeClr val="tx1"/>
+                          </a:solidFill>
+                          <a:effectLst/>
+                          <a:latin typeface="Muli" panose="00000500000000000000" pitchFamily="2" charset="0"/>
+                        </a:rPr>
+                        <a:t> monitoring required</a:t>
+                      </a:r>
+                      <a:endParaRPr lang="en-GB" sz="1600" b="0" i="0" u="none" strike="noStrike" dirty="0">
                         <a:solidFill>
-                          <a:schemeClr val="accent3">
-                            <a:lumMod val="50000"/>
-                          </a:schemeClr>
+                          <a:schemeClr val="tx1"/>
                         </a:solidFill>
                         <a:effectLst/>
                         <a:latin typeface="Muli" panose="00000500000000000000" pitchFamily="2" charset="0"/>
@@ -9373,10 +9668,7 @@
                       <a:tailEnd type="none" w="med" len="med"/>
                     </a:lnB>
                     <a:solidFill>
-                      <a:schemeClr val="accent3">
-                        <a:lumMod val="40000"/>
-                        <a:lumOff val="60000"/>
-                      </a:schemeClr>
+                      <a:schemeClr val="bg1"/>
                     </a:solidFill>
                   </a:tcPr>
                 </a:tc>
@@ -10743,7 +11035,7 @@
 </p:sld>
 </file>
 
-<file path=ppt/slides/slide14.xml><?xml version="1.0" encoding="utf-8"?>
+<file path=ppt/slides/slide15.xml><?xml version="1.0" encoding="utf-8"?>
 <p:sld xmlns:a="http://schemas.openxmlformats.org/drawingml/2006/main" xmlns:r="http://schemas.openxmlformats.org/officeDocument/2006/relationships" xmlns:p="http://schemas.openxmlformats.org/presentationml/2006/main">
   <p:cSld>
     <p:spTree>
@@ -14001,9 +14293,6 @@
               </a:rPr>
               <a:t> </a:t>
             </a:r>
-            <a:endParaRPr lang="en-US" sz="2000" dirty="0" smtClean="0">
-              <a:latin typeface="Muli" panose="00000500000000000000" pitchFamily="2" charset="0"/>
-            </a:endParaRPr>
           </a:p>
           <a:p>
             <a:pPr marL="180000"/>
@@ -14059,12 +14348,6 @@
               </a:rPr>
               <a:t> </a:t>
             </a:r>
-            <a:r>
-              <a:rPr lang="en-US" sz="2000" dirty="0" smtClean="0">
-                <a:latin typeface="Muli" panose="00000500000000000000" pitchFamily="2" charset="0"/>
-              </a:rPr>
-              <a:t/>
-            </a:r>
             <a:br>
               <a:rPr lang="en-US" sz="2000" dirty="0" smtClean="0">
                 <a:latin typeface="Muli" panose="00000500000000000000" pitchFamily="2" charset="0"/>
@@ -14091,14 +14374,7 @@
                 <a:latin typeface="Muli" panose="00000500000000000000" pitchFamily="2" charset="0"/>
                 <a:sym typeface="Wingdings" panose="05000000000000000000" pitchFamily="2" charset="2"/>
               </a:rPr>
-              <a:t> </a:t>
-            </a:r>
-            <a:r>
-              <a:rPr lang="en-US" sz="2000" dirty="0" smtClean="0">
-                <a:latin typeface="Muli" panose="00000500000000000000" pitchFamily="2" charset="0"/>
-                <a:sym typeface="Wingdings" panose="05000000000000000000" pitchFamily="2" charset="2"/>
-              </a:rPr>
-              <a:t>So far PaNOSC is delivering on time</a:t>
+              <a:t> So far PaNOSC is delivering on time</a:t>
             </a:r>
             <a:endParaRPr lang="en-US" sz="2000" dirty="0" smtClean="0">
               <a:latin typeface="Muli" panose="00000500000000000000" pitchFamily="2" charset="0"/>
@@ -14116,12 +14392,6 @@
               </a:rPr>
               <a:t> </a:t>
             </a:r>
-            <a:r>
-              <a:rPr lang="en-US" sz="2000" dirty="0" smtClean="0">
-                <a:latin typeface="Muli" panose="00000500000000000000" pitchFamily="2" charset="0"/>
-              </a:rPr>
-              <a:t/>
-            </a:r>
             <a:br>
               <a:rPr lang="en-US" sz="2000" dirty="0" smtClean="0">
                 <a:latin typeface="Muli" panose="00000500000000000000" pitchFamily="2" charset="0"/>
@@ -14176,38 +14446,24 @@
                 <a:latin typeface="Muli" panose="00000500000000000000" pitchFamily="2" charset="0"/>
                 <a:sym typeface="Wingdings" panose="05000000000000000000" pitchFamily="2" charset="2"/>
               </a:rPr>
-              <a:t>    </a:t>
+              <a:t>         </a:t>
             </a:r>
             <a:r>
               <a:rPr lang="en-US" sz="2000" dirty="0" smtClean="0">
+                <a:solidFill>
+                  <a:srgbClr val="00B050"/>
+                </a:solidFill>
                 <a:latin typeface="Muli" panose="00000500000000000000" pitchFamily="2" charset="0"/>
                 <a:sym typeface="Wingdings" panose="05000000000000000000" pitchFamily="2" charset="2"/>
               </a:rPr>
-              <a:t>     </a:t>
+              <a:t></a:t>
             </a:r>
             <a:r>
               <a:rPr lang="en-US" sz="2000" dirty="0" smtClean="0">
-                <a:solidFill>
-                  <a:srgbClr val="00B050"/>
-                </a:solidFill>
                 <a:latin typeface="Muli" panose="00000500000000000000" pitchFamily="2" charset="0"/>
                 <a:sym typeface="Wingdings" panose="05000000000000000000" pitchFamily="2" charset="2"/>
               </a:rPr>
-              <a:t></a:t>
-            </a:r>
-            <a:r>
-              <a:rPr lang="en-US" sz="2000" dirty="0" smtClean="0">
-                <a:latin typeface="Muli" panose="00000500000000000000" pitchFamily="2" charset="0"/>
-                <a:sym typeface="Wingdings" panose="05000000000000000000" pitchFamily="2" charset="2"/>
-              </a:rPr>
-              <a:t> </a:t>
-            </a:r>
-            <a:r>
-              <a:rPr lang="en-US" sz="2000" dirty="0" smtClean="0">
-                <a:latin typeface="Muli" panose="00000500000000000000" pitchFamily="2" charset="0"/>
-                <a:sym typeface="Wingdings" panose="05000000000000000000" pitchFamily="2" charset="2"/>
-              </a:rPr>
-              <a:t>Project Management Committee for coordination</a:t>
+              <a:t> Project Management Committee for coordination</a:t>
             </a:r>
             <a:br>
               <a:rPr lang="en-US" sz="2000" dirty="0" smtClean="0">
@@ -14220,14 +14476,7 @@
                 <a:latin typeface="Muli" panose="00000500000000000000" pitchFamily="2" charset="0"/>
                 <a:sym typeface="Wingdings" panose="05000000000000000000" pitchFamily="2" charset="2"/>
               </a:rPr>
-              <a:t>   </a:t>
-            </a:r>
-            <a:r>
-              <a:rPr lang="en-US" sz="2000" dirty="0" smtClean="0">
-                <a:latin typeface="Muli" panose="00000500000000000000" pitchFamily="2" charset="0"/>
-                <a:sym typeface="Wingdings" panose="05000000000000000000" pitchFamily="2" charset="2"/>
-              </a:rPr>
-              <a:t>      </a:t>
+              <a:t>         </a:t>
             </a:r>
             <a:r>
               <a:rPr lang="en-US" sz="2000" dirty="0" smtClean="0">
@@ -14329,38 +14578,24 @@
                 <a:latin typeface="Muli" panose="00000500000000000000" pitchFamily="2" charset="0"/>
                 <a:sym typeface="Wingdings" panose="05000000000000000000" pitchFamily="2" charset="2"/>
               </a:rPr>
-              <a:t>    </a:t>
+              <a:t>         </a:t>
             </a:r>
             <a:r>
               <a:rPr lang="en-US" sz="2000" dirty="0" smtClean="0">
+                <a:solidFill>
+                  <a:srgbClr val="00B050"/>
+                </a:solidFill>
                 <a:latin typeface="Muli" panose="00000500000000000000" pitchFamily="2" charset="0"/>
                 <a:sym typeface="Wingdings" panose="05000000000000000000" pitchFamily="2" charset="2"/>
               </a:rPr>
-              <a:t>     </a:t>
+              <a:t></a:t>
             </a:r>
             <a:r>
               <a:rPr lang="en-US" sz="2000" dirty="0" smtClean="0">
-                <a:solidFill>
-                  <a:srgbClr val="00B050"/>
-                </a:solidFill>
                 <a:latin typeface="Muli" panose="00000500000000000000" pitchFamily="2" charset="0"/>
                 <a:sym typeface="Wingdings" panose="05000000000000000000" pitchFamily="2" charset="2"/>
               </a:rPr>
-              <a:t></a:t>
-            </a:r>
-            <a:r>
-              <a:rPr lang="en-US" sz="2000" dirty="0" smtClean="0">
-                <a:latin typeface="Muli" panose="00000500000000000000" pitchFamily="2" charset="0"/>
-                <a:sym typeface="Wingdings" panose="05000000000000000000" pitchFamily="2" charset="2"/>
-              </a:rPr>
-              <a:t> </a:t>
-            </a:r>
-            <a:r>
-              <a:rPr lang="en-US" sz="2000" dirty="0" smtClean="0">
-                <a:latin typeface="Muli" panose="00000500000000000000" pitchFamily="2" charset="0"/>
-                <a:sym typeface="Wingdings" panose="05000000000000000000" pitchFamily="2" charset="2"/>
-              </a:rPr>
-              <a:t>Implementation of risk management process</a:t>
+              <a:t> Implementation of risk management process</a:t>
             </a:r>
             <a:endParaRPr lang="en-US" sz="2000" dirty="0" smtClean="0">
               <a:latin typeface="Muli" panose="00000500000000000000" pitchFamily="2" charset="0"/>
@@ -14417,38 +14652,24 @@
                 <a:latin typeface="Muli" panose="00000500000000000000" pitchFamily="2" charset="0"/>
                 <a:sym typeface="Wingdings" panose="05000000000000000000" pitchFamily="2" charset="2"/>
               </a:rPr>
-              <a:t>    </a:t>
+              <a:t>         </a:t>
             </a:r>
             <a:r>
               <a:rPr lang="en-US" sz="2000" dirty="0" smtClean="0">
+                <a:solidFill>
+                  <a:srgbClr val="00B050"/>
+                </a:solidFill>
                 <a:latin typeface="Muli" panose="00000500000000000000" pitchFamily="2" charset="0"/>
                 <a:sym typeface="Wingdings" panose="05000000000000000000" pitchFamily="2" charset="2"/>
               </a:rPr>
-              <a:t>     </a:t>
+              <a:t></a:t>
             </a:r>
             <a:r>
               <a:rPr lang="en-US" sz="2000" dirty="0" smtClean="0">
-                <a:solidFill>
-                  <a:srgbClr val="00B050"/>
-                </a:solidFill>
                 <a:latin typeface="Muli" panose="00000500000000000000" pitchFamily="2" charset="0"/>
                 <a:sym typeface="Wingdings" panose="05000000000000000000" pitchFamily="2" charset="2"/>
               </a:rPr>
-              <a:t></a:t>
-            </a:r>
-            <a:r>
-              <a:rPr lang="en-US" sz="2000" dirty="0" smtClean="0">
-                <a:latin typeface="Muli" panose="00000500000000000000" pitchFamily="2" charset="0"/>
-                <a:sym typeface="Wingdings" panose="05000000000000000000" pitchFamily="2" charset="2"/>
-              </a:rPr>
-              <a:t> </a:t>
-            </a:r>
-            <a:r>
-              <a:rPr lang="en-US" sz="2000" dirty="0" smtClean="0">
-                <a:latin typeface="Muli" panose="00000500000000000000" pitchFamily="2" charset="0"/>
-                <a:sym typeface="Wingdings" panose="05000000000000000000" pitchFamily="2" charset="2"/>
-              </a:rPr>
-              <a:t>Internal milestones</a:t>
+              <a:t> Internal milestones</a:t>
             </a:r>
             <a:br>
               <a:rPr lang="en-US" sz="2000" dirty="0" smtClean="0">
@@ -14461,14 +14682,7 @@
                 <a:latin typeface="Muli" panose="00000500000000000000" pitchFamily="2" charset="0"/>
                 <a:sym typeface="Wingdings" panose="05000000000000000000" pitchFamily="2" charset="2"/>
               </a:rPr>
-              <a:t>   </a:t>
-            </a:r>
-            <a:r>
-              <a:rPr lang="en-US" sz="2000" dirty="0" smtClean="0">
-                <a:latin typeface="Muli" panose="00000500000000000000" pitchFamily="2" charset="0"/>
-                <a:sym typeface="Wingdings" panose="05000000000000000000" pitchFamily="2" charset="2"/>
-              </a:rPr>
-              <a:t>      </a:t>
+              <a:t>         </a:t>
             </a:r>
             <a:r>
               <a:rPr lang="en-US" sz="2000" dirty="0" smtClean="0">
@@ -14713,12 +14927,6 @@
               </a:rPr>
               <a:t>)</a:t>
             </a:r>
-            <a:r>
-              <a:rPr lang="en-US" sz="2000" dirty="0" smtClean="0">
-                <a:latin typeface="Muli" panose="00000500000000000000" pitchFamily="2" charset="0"/>
-              </a:rPr>
-              <a:t/>
-            </a:r>
             <a:br>
               <a:rPr lang="en-US" sz="2000" dirty="0" smtClean="0">
                 <a:latin typeface="Muli" panose="00000500000000000000" pitchFamily="2" charset="0"/>
@@ -14728,13 +14936,7 @@
               <a:rPr lang="en-US" sz="2000" dirty="0" smtClean="0">
                 <a:latin typeface="Muli" panose="00000500000000000000" pitchFamily="2" charset="0"/>
               </a:rPr>
-              <a:t>          </a:t>
-            </a:r>
-            <a:r>
-              <a:rPr lang="en-US" sz="2000" dirty="0" smtClean="0">
-                <a:latin typeface="Muli" panose="00000500000000000000" pitchFamily="2" charset="0"/>
-              </a:rPr>
-              <a:t> </a:t>
+              <a:t>           </a:t>
             </a:r>
             <a:r>
               <a:rPr lang="en-US" sz="2000" dirty="0" smtClean="0">
@@ -14769,14 +14971,7 @@
                 <a:latin typeface="Muli" panose="00000500000000000000" pitchFamily="2" charset="0"/>
                 <a:sym typeface="Wingdings" panose="05000000000000000000" pitchFamily="2" charset="2"/>
               </a:rPr>
-              <a:t> </a:t>
-            </a:r>
-            <a:r>
-              <a:rPr lang="en-US" sz="2000" dirty="0" smtClean="0">
-                <a:latin typeface="Muli" panose="00000500000000000000" pitchFamily="2" charset="0"/>
-                <a:sym typeface="Wingdings" panose="05000000000000000000" pitchFamily="2" charset="2"/>
-              </a:rPr>
-              <a:t>    </a:t>
+              <a:t>     </a:t>
             </a:r>
             <a:r>
               <a:rPr lang="en-US" sz="2000" dirty="0" smtClean="0">
@@ -14805,13 +15000,7 @@
               <a:rPr lang="en-US" sz="2000" dirty="0" smtClean="0">
                 <a:latin typeface="Muli" panose="00000500000000000000" pitchFamily="2" charset="0"/>
               </a:rPr>
-              <a:t>          </a:t>
-            </a:r>
-            <a:r>
-              <a:rPr lang="en-US" sz="2000" dirty="0" smtClean="0">
-                <a:latin typeface="Muli" panose="00000500000000000000" pitchFamily="2" charset="0"/>
-              </a:rPr>
-              <a:t> </a:t>
+              <a:t>           </a:t>
             </a:r>
             <a:r>
               <a:rPr lang="en-US" sz="2000" dirty="0" smtClean="0">
@@ -14852,13 +15041,7 @@
               <a:rPr lang="en-US" sz="2000" dirty="0" smtClean="0">
                 <a:latin typeface="Muli" panose="00000500000000000000" pitchFamily="2" charset="0"/>
               </a:rPr>
-              <a:t>and </a:t>
-            </a:r>
-            <a:r>
-              <a:rPr lang="en-US" sz="2000" dirty="0" smtClean="0">
-                <a:latin typeface="Muli" panose="00000500000000000000" pitchFamily="2" charset="0"/>
-              </a:rPr>
-              <a:t>selection of </a:t>
+              <a:t>and selection of </a:t>
             </a:r>
             <a:r>
               <a:rPr lang="en-US" sz="2000" dirty="0">
@@ -14887,13 +15070,7 @@
               <a:rPr lang="en-US" sz="2000" dirty="0" smtClean="0">
                 <a:latin typeface="Muli" panose="00000500000000000000" pitchFamily="2" charset="0"/>
               </a:rPr>
-              <a:t>          </a:t>
-            </a:r>
-            <a:r>
-              <a:rPr lang="en-US" sz="2000" dirty="0" smtClean="0">
-                <a:latin typeface="Muli" panose="00000500000000000000" pitchFamily="2" charset="0"/>
-              </a:rPr>
-              <a:t> </a:t>
+              <a:t>           </a:t>
             </a:r>
             <a:r>
               <a:rPr lang="en-US" sz="2000" dirty="0" smtClean="0">
@@ -14923,14 +15100,7 @@
                 <a:latin typeface="Muli" panose="00000500000000000000" pitchFamily="2" charset="0"/>
                 <a:sym typeface="Wingdings" panose="05000000000000000000" pitchFamily="2" charset="2"/>
               </a:rPr>
-              <a:t>          </a:t>
-            </a:r>
-            <a:r>
-              <a:rPr lang="en-US" sz="2000" dirty="0" smtClean="0">
-                <a:latin typeface="Muli" panose="00000500000000000000" pitchFamily="2" charset="0"/>
-                <a:sym typeface="Wingdings" panose="05000000000000000000" pitchFamily="2" charset="2"/>
-              </a:rPr>
-              <a:t> </a:t>
+              <a:t>           </a:t>
             </a:r>
             <a:r>
               <a:rPr lang="en-US" sz="2000" dirty="0" smtClean="0">
@@ -14974,14 +15144,7 @@
                 <a:latin typeface="Muli" panose="00000500000000000000" pitchFamily="2" charset="0"/>
                 <a:sym typeface="Wingdings" panose="05000000000000000000" pitchFamily="2" charset="2"/>
               </a:rPr>
-              <a:t>          </a:t>
-            </a:r>
-            <a:r>
-              <a:rPr lang="en-US" sz="2000" dirty="0" smtClean="0">
-                <a:latin typeface="Muli" panose="00000500000000000000" pitchFamily="2" charset="0"/>
-                <a:sym typeface="Wingdings" panose="05000000000000000000" pitchFamily="2" charset="2"/>
-              </a:rPr>
-              <a:t> </a:t>
+              <a:t>           </a:t>
             </a:r>
             <a:r>
               <a:rPr lang="en-US" sz="2000" dirty="0" smtClean="0">
@@ -15037,13 +15200,7 @@
               <a:rPr lang="en-US" sz="2000" dirty="0" smtClean="0">
                 <a:latin typeface="Muli" panose="00000500000000000000" pitchFamily="2" charset="0"/>
               </a:rPr>
-              <a:t>          </a:t>
-            </a:r>
-            <a:r>
-              <a:rPr lang="en-US" sz="2000" dirty="0" smtClean="0">
-                <a:latin typeface="Muli" panose="00000500000000000000" pitchFamily="2" charset="0"/>
-              </a:rPr>
-              <a:t> </a:t>
+              <a:t>           </a:t>
             </a:r>
             <a:r>
               <a:rPr lang="en-US" sz="2000" dirty="0" smtClean="0">
@@ -15094,14 +15251,7 @@
                 <a:latin typeface="Muli" panose="00000500000000000000" pitchFamily="2" charset="0"/>
                 <a:sym typeface="Wingdings" panose="05000000000000000000" pitchFamily="2" charset="2"/>
               </a:rPr>
-              <a:t> </a:t>
-            </a:r>
-            <a:r>
-              <a:rPr lang="en-US" sz="2000" dirty="0" smtClean="0">
-                <a:latin typeface="Muli" panose="00000500000000000000" pitchFamily="2" charset="0"/>
-                <a:sym typeface="Wingdings" panose="05000000000000000000" pitchFamily="2" charset="2"/>
-              </a:rPr>
-              <a:t>Regular meetings, email exchanges and general follow-up of the project</a:t>
+              <a:t> Regular meetings, email exchanges and general follow-up of the project</a:t>
             </a:r>
           </a:p>
           <a:p>
@@ -15137,14 +15287,7 @@
                 <a:latin typeface="Muli" panose="00000500000000000000" pitchFamily="2" charset="0"/>
                 <a:sym typeface="Wingdings" panose="05000000000000000000" pitchFamily="2" charset="2"/>
               </a:rPr>
-              <a:t> </a:t>
-            </a:r>
-            <a:r>
-              <a:rPr lang="en-US" sz="2000" dirty="0" smtClean="0">
-                <a:latin typeface="Muli" panose="00000500000000000000" pitchFamily="2" charset="0"/>
-                <a:sym typeface="Wingdings" panose="05000000000000000000" pitchFamily="2" charset="2"/>
-              </a:rPr>
-              <a:t>Introduction of Key Performance Indicators (KPIs) and issue tracking</a:t>
+              <a:t> Introduction of Key Performance Indicators (KPIs) and issue tracking</a:t>
             </a:r>
             <a:endParaRPr lang="en-US" sz="2000" dirty="0" smtClean="0">
               <a:latin typeface="Muli" panose="00000500000000000000" pitchFamily="2" charset="0"/>
@@ -15200,14 +15343,7 @@
                 <a:latin typeface="Muli" panose="00000500000000000000" pitchFamily="2" charset="0"/>
                 <a:sym typeface="Wingdings" panose="05000000000000000000" pitchFamily="2" charset="2"/>
               </a:rPr>
-              <a:t> </a:t>
-            </a:r>
-            <a:r>
-              <a:rPr lang="en-US" sz="2000" dirty="0" smtClean="0">
-                <a:latin typeface="Muli" panose="00000500000000000000" pitchFamily="2" charset="0"/>
-                <a:sym typeface="Wingdings" panose="05000000000000000000" pitchFamily="2" charset="2"/>
-              </a:rPr>
-              <a:t>Management of mailing lists, minutes of meetings and other administrative tasks</a:t>
+              <a:t> Management of mailing lists, minutes of meetings and other administrative tasks</a:t>
             </a:r>
             <a:endParaRPr lang="en-US" sz="2000" dirty="0" smtClean="0">
               <a:latin typeface="Muli" panose="00000500000000000000" pitchFamily="2" charset="0"/>
@@ -15406,9 +15542,6 @@
               </a:rPr>
               <a:t>     </a:t>
             </a:r>
-            <a:endParaRPr lang="en-US" sz="2000" dirty="0" smtClean="0">
-              <a:latin typeface="Muli" panose="00000500000000000000" pitchFamily="2" charset="0"/>
-            </a:endParaRPr>
           </a:p>
           <a:p>
             <a:pPr marL="180000">
@@ -15782,7 +15915,7 @@
               <a:rPr lang="en-US" b="1" dirty="0">
                 <a:latin typeface="Muli" panose="00000500000000000000" pitchFamily="2" charset="0"/>
               </a:rPr>
-              <a:t>Grant Agreement modifications</a:t>
+              <a:t>Management Structure</a:t>
             </a:r>
           </a:p>
         </p:txBody>
@@ -15796,7 +15929,7 @@
         <p:spPr>
           <a:xfrm>
             <a:off x="0" y="1212741"/>
-            <a:ext cx="12192000" cy="4708981"/>
+            <a:ext cx="12192000" cy="5401479"/>
           </a:xfrm>
           <a:prstGeom prst="rect">
             <a:avLst/>
@@ -15809,219 +15942,140 @@
           </a:bodyPr>
           <a:lstStyle/>
           <a:p>
-            <a:pPr marL="1094400" lvl="1" indent="-457200">
-              <a:buFont typeface="+mj-lt"/>
-              <a:buAutoNum type="arabicPeriod"/>
-            </a:pPr>
+            <a:pPr marL="180000"/>
+            <a:endParaRPr lang="en-US" sz="2000" b="1" dirty="0">
+              <a:latin typeface="Muli" panose="00000500000000000000" pitchFamily="2" charset="0"/>
+            </a:endParaRPr>
+          </a:p>
+          <a:p>
+            <a:pPr marL="180000"/>
             <a:r>
               <a:rPr lang="en-US" sz="2000" dirty="0" smtClean="0">
                 <a:latin typeface="Muli" panose="00000500000000000000" pitchFamily="2" charset="0"/>
               </a:rPr>
-              <a:t>ELI-DC </a:t>
-            </a:r>
-            <a:r>
-              <a:rPr lang="en-US" sz="2000" dirty="0" smtClean="0">
-                <a:latin typeface="Muli" panose="00000500000000000000" pitchFamily="2" charset="0"/>
-              </a:rPr>
-              <a:t>transformation into ELI-ERIC</a:t>
-            </a:r>
+              <a:t>The management structure defined in the proposal and refined in the Project Initiation Documentation has been put in place, with all partners collaborating</a:t>
+            </a:r>
+          </a:p>
+          <a:p>
+            <a:pPr marL="180000"/>
             <a:endParaRPr lang="en-US" sz="2000" dirty="0">
               <a:latin typeface="Muli" panose="00000500000000000000" pitchFamily="2" charset="0"/>
             </a:endParaRPr>
           </a:p>
           <a:p>
-            <a:pPr marL="1551600" lvl="2" indent="-457200">
-              <a:buFont typeface="+mj-lt"/>
-              <a:buAutoNum type="alphaLcParenR"/>
-            </a:pPr>
-            <a:r>
-              <a:rPr lang="en-US" sz="2000" dirty="0" smtClean="0">
-                <a:latin typeface="Muli" panose="00000500000000000000" pitchFamily="2" charset="0"/>
-              </a:rPr>
-              <a:t>As planned and stated in the Grant Agreement</a:t>
-            </a:r>
-          </a:p>
-          <a:p>
-            <a:pPr marL="2008800" lvl="3" indent="-457200">
-              <a:buFont typeface="+mj-lt"/>
-              <a:buAutoNum type="alphaLcParenR"/>
-            </a:pPr>
-            <a:r>
-              <a:rPr lang="en-US" sz="2000" dirty="0" smtClean="0">
-                <a:latin typeface="Muli" panose="00000500000000000000" pitchFamily="2" charset="0"/>
-              </a:rPr>
-              <a:t>ELI-ERIC to replace ELI-DC as beneficiary</a:t>
-            </a:r>
-            <a:br>
-              <a:rPr lang="en-US" sz="2000" dirty="0" smtClean="0">
-                <a:latin typeface="Muli" panose="00000500000000000000" pitchFamily="2" charset="0"/>
-              </a:rPr>
-            </a:br>
+            <a:pPr marL="180000"/>
             <a:endParaRPr lang="en-US" sz="2000" dirty="0" smtClean="0">
               <a:latin typeface="Muli" panose="00000500000000000000" pitchFamily="2" charset="0"/>
             </a:endParaRPr>
           </a:p>
           <a:p>
-            <a:pPr marL="1551600" lvl="2" indent="-457200">
-              <a:buFont typeface="+mj-lt"/>
-              <a:buAutoNum type="alphaLcParenR"/>
-            </a:pPr>
-            <a:r>
-              <a:rPr lang="en-US" sz="2000" dirty="0" smtClean="0">
-                <a:latin typeface="Muli" panose="00000500000000000000" pitchFamily="2" charset="0"/>
-              </a:rPr>
-              <a:t>ELI-ERIC to accept all assets and liabilities of ELI-DC</a:t>
-            </a:r>
-            <a:br>
-              <a:rPr lang="en-US" sz="2000" dirty="0" smtClean="0">
-                <a:latin typeface="Muli" panose="00000500000000000000" pitchFamily="2" charset="0"/>
-              </a:rPr>
-            </a:br>
+            <a:pPr marL="180000"/>
+            <a:endParaRPr lang="en-US" sz="2000" dirty="0">
+              <a:latin typeface="Muli" panose="00000500000000000000" pitchFamily="2" charset="0"/>
+            </a:endParaRPr>
+          </a:p>
+          <a:p>
+            <a:pPr marL="180000"/>
             <a:endParaRPr lang="en-US" sz="2000" dirty="0" smtClean="0">
               <a:latin typeface="Muli" panose="00000500000000000000" pitchFamily="2" charset="0"/>
             </a:endParaRPr>
           </a:p>
           <a:p>
-            <a:pPr marL="1551600" lvl="2" indent="-457200">
-              <a:buFont typeface="+mj-lt"/>
-              <a:buAutoNum type="alphaLcParenR"/>
-            </a:pPr>
-            <a:r>
-              <a:rPr lang="en-US" sz="2000" dirty="0" smtClean="0">
-                <a:latin typeface="Muli" panose="00000500000000000000" pitchFamily="2" charset="0"/>
-              </a:rPr>
-              <a:t>ELI-BL and ELI-ALPS will be founding members of ELI-ERIC</a:t>
-            </a:r>
-          </a:p>
-          <a:p>
-            <a:pPr marL="1551600" lvl="2" indent="-457200">
-              <a:buFont typeface="+mj-lt"/>
-              <a:buAutoNum type="alphaLcParenR"/>
-            </a:pPr>
-            <a:r>
-              <a:rPr lang="en-US" sz="2000" dirty="0" smtClean="0">
-                <a:latin typeface="Muli" panose="00000500000000000000" pitchFamily="2" charset="0"/>
-              </a:rPr>
-              <a:t>ELI-NP will not be a member of ELI-ERIC </a:t>
-            </a:r>
-          </a:p>
-          <a:p>
-            <a:pPr marL="1551600" lvl="2" indent="-457200">
-              <a:buFont typeface="+mj-lt"/>
-              <a:buAutoNum type="alphaLcParenR"/>
-            </a:pPr>
+            <a:pPr marL="180000"/>
             <a:endParaRPr lang="en-US" sz="2000" dirty="0">
               <a:latin typeface="Muli" panose="00000500000000000000" pitchFamily="2" charset="0"/>
             </a:endParaRPr>
           </a:p>
           <a:p>
-            <a:pPr marL="1094400" lvl="1" indent="-457200">
-              <a:buFont typeface="+mj-lt"/>
-              <a:buAutoNum type="arabicPeriod"/>
-            </a:pPr>
-            <a:r>
-              <a:rPr lang="en-US" sz="2000" dirty="0" smtClean="0">
-                <a:latin typeface="Muli" panose="00000500000000000000" pitchFamily="2" charset="0"/>
-              </a:rPr>
-              <a:t>Transfer </a:t>
-            </a:r>
-            <a:r>
-              <a:rPr lang="en-US" sz="2000" dirty="0" smtClean="0">
-                <a:latin typeface="Muli" panose="00000500000000000000" pitchFamily="2" charset="0"/>
-              </a:rPr>
-              <a:t>funds from direct personnel costs </a:t>
-            </a:r>
-            <a:r>
-              <a:rPr lang="en-US" sz="2000" dirty="0" smtClean="0">
-                <a:latin typeface="Muli" panose="00000500000000000000" pitchFamily="2" charset="0"/>
-              </a:rPr>
-              <a:t>into </a:t>
-            </a:r>
-            <a:r>
-              <a:rPr lang="en-US" sz="2000" dirty="0" smtClean="0">
-                <a:latin typeface="Muli" panose="00000500000000000000" pitchFamily="2" charset="0"/>
-              </a:rPr>
-              <a:t>other (consultancy) or subcontracting</a:t>
-            </a:r>
+            <a:pPr marL="180000"/>
             <a:endParaRPr lang="en-US" sz="2000" dirty="0" smtClean="0">
               <a:latin typeface="Muli" panose="00000500000000000000" pitchFamily="2" charset="0"/>
             </a:endParaRPr>
           </a:p>
           <a:p>
-            <a:pPr marL="1551600" lvl="2" indent="-457200">
-              <a:buFont typeface="+mj-lt"/>
-              <a:buAutoNum type="alphaLcParenR"/>
-            </a:pPr>
-            <a:r>
-              <a:rPr lang="en-US" sz="2000" dirty="0" smtClean="0">
-                <a:latin typeface="Muli" panose="00000500000000000000" pitchFamily="2" charset="0"/>
-              </a:rPr>
-              <a:t>Due to difficulties </a:t>
-            </a:r>
-            <a:r>
-              <a:rPr lang="en-US" sz="2000" dirty="0" smtClean="0">
-                <a:latin typeface="Muli" panose="00000500000000000000" pitchFamily="2" charset="0"/>
-              </a:rPr>
-              <a:t>recruiting</a:t>
-            </a:r>
-          </a:p>
-          <a:p>
-            <a:pPr marL="1551600" lvl="2" indent="-457200">
-              <a:buFont typeface="+mj-lt"/>
-              <a:buAutoNum type="alphaLcParenR"/>
-            </a:pPr>
-            <a:r>
-              <a:rPr lang="en-US" sz="2000" dirty="0" smtClean="0">
-                <a:latin typeface="Muli" panose="00000500000000000000" pitchFamily="2" charset="0"/>
-              </a:rPr>
-              <a:t>Internal financial report at M9 showed underspending</a:t>
-            </a:r>
+            <a:pPr marL="180000"/>
+            <a:endParaRPr lang="en-US" sz="2000" dirty="0">
+              <a:latin typeface="Muli" panose="00000500000000000000" pitchFamily="2" charset="0"/>
+            </a:endParaRPr>
+          </a:p>
+          <a:p>
+            <a:pPr marL="180000"/>
+            <a:r>
+              <a:rPr lang="en-US" sz="2000" dirty="0">
+                <a:latin typeface="Muli" panose="00000500000000000000" pitchFamily="2" charset="0"/>
+              </a:rPr>
+              <a:t/>
+            </a:r>
+            <a:br>
+              <a:rPr lang="en-US" sz="2000" dirty="0">
+                <a:latin typeface="Muli" panose="00000500000000000000" pitchFamily="2" charset="0"/>
+              </a:rPr>
+            </a:br>
+            <a:endParaRPr lang="en-US" sz="2000" dirty="0">
+              <a:latin typeface="Muli" panose="00000500000000000000" pitchFamily="2" charset="0"/>
+            </a:endParaRPr>
+          </a:p>
+          <a:p>
+            <a:pPr marL="180000"/>
             <a:endParaRPr lang="en-US" sz="2000" dirty="0" smtClean="0">
               <a:latin typeface="Muli" panose="00000500000000000000" pitchFamily="2" charset="0"/>
             </a:endParaRPr>
           </a:p>
           <a:p>
-            <a:pPr marL="1551600" lvl="2" indent="-457200">
-              <a:buFont typeface="+mj-lt"/>
-              <a:buAutoNum type="alphaLcParenR"/>
-            </a:pPr>
+            <a:pPr marL="180000"/>
             <a:r>
               <a:rPr lang="en-US" sz="2000" dirty="0" smtClean="0">
                 <a:latin typeface="Muli" panose="00000500000000000000" pitchFamily="2" charset="0"/>
               </a:rPr>
-              <a:t>Estimated total amount </a:t>
-            </a:r>
-            <a:r>
-              <a:rPr lang="en-US" sz="2000" dirty="0" smtClean="0">
-                <a:latin typeface="Muli" panose="00000500000000000000" pitchFamily="2" charset="0"/>
-              </a:rPr>
-              <a:t>to be analysed following financial reporting at M18</a:t>
-            </a:r>
-            <a:endParaRPr lang="en-US" sz="2000" dirty="0" smtClean="0">
-              <a:latin typeface="Muli" panose="00000500000000000000" pitchFamily="2" charset="0"/>
-            </a:endParaRPr>
-          </a:p>
-          <a:p>
-            <a:pPr marL="1094400" lvl="1" indent="-457200">
-              <a:buFont typeface="+mj-lt"/>
-              <a:buAutoNum type="arabicPeriod"/>
-            </a:pPr>
+              <a:t>Regular meetings of the Project Management Committee (WP leaders + representatives from all partners) taking place every other week.</a:t>
+            </a:r>
+          </a:p>
+          <a:p>
+            <a:pPr marL="180000"/>
             <a:endParaRPr lang="en-US" sz="2000" dirty="0">
               <a:latin typeface="Muli" panose="00000500000000000000" pitchFamily="2" charset="0"/>
             </a:endParaRPr>
           </a:p>
           <a:p>
-            <a:pPr marL="449263" lvl="1"/>
-            <a:endParaRPr lang="en-US" sz="2000" dirty="0">
+            <a:pPr marL="180000">
+              <a:spcBef>
+                <a:spcPts val="600"/>
+              </a:spcBef>
+            </a:pPr>
+            <a:endParaRPr lang="en-GB" sz="2000" dirty="0">
               <a:latin typeface="Muli" panose="00000500000000000000" pitchFamily="2" charset="0"/>
             </a:endParaRPr>
           </a:p>
         </p:txBody>
       </p:sp>
+      <p:pic>
+        <p:nvPicPr>
+          <p:cNvPr id="4" name="Picture 3"/>
+          <p:cNvPicPr>
+            <a:picLocks noChangeAspect="1"/>
+          </p:cNvPicPr>
+          <p:nvPr/>
+        </p:nvPicPr>
+        <p:blipFill>
+          <a:blip r:embed="rId2"/>
+          <a:stretch>
+            <a:fillRect/>
+          </a:stretch>
+        </p:blipFill>
+        <p:spPr>
+          <a:xfrm>
+            <a:off x="2128157" y="2286000"/>
+            <a:ext cx="7935686" cy="2799844"/>
+          </a:xfrm>
+          <a:prstGeom prst="rect">
+            <a:avLst/>
+          </a:prstGeom>
+        </p:spPr>
+      </p:pic>
     </p:spTree>
     <p:extLst>
       <p:ext uri="{BB962C8B-B14F-4D97-AF65-F5344CB8AC3E}">
-        <p14:creationId xmlns:p14="http://schemas.microsoft.com/office/powerpoint/2010/main" val="3919085425"/>
+        <p14:creationId xmlns:p14="http://schemas.microsoft.com/office/powerpoint/2010/main" val="4251371073"/>
       </p:ext>
     </p:extLst>
   </p:cSld>
@@ -16105,7 +16159,7 @@
               <a:rPr lang="en-US" b="1" dirty="0">
                 <a:latin typeface="Muli" panose="00000500000000000000" pitchFamily="2" charset="0"/>
               </a:rPr>
-              <a:t>Management Structure</a:t>
+              <a:t>Grant Agreement modifications</a:t>
             </a:r>
           </a:p>
         </p:txBody>
@@ -16119,7 +16173,7 @@
         <p:spPr>
           <a:xfrm>
             <a:off x="0" y="1212741"/>
-            <a:ext cx="12192000" cy="5401479"/>
+            <a:ext cx="12192000" cy="4708981"/>
           </a:xfrm>
           <a:prstGeom prst="rect">
             <a:avLst/>
@@ -16132,143 +16186,192 @@
           </a:bodyPr>
           <a:lstStyle/>
           <a:p>
-            <a:pPr marL="180000"/>
-            <a:endParaRPr lang="en-US" sz="2000" b="1" dirty="0">
-              <a:latin typeface="Muli" panose="00000500000000000000" pitchFamily="2" charset="0"/>
-            </a:endParaRPr>
-          </a:p>
-          <a:p>
-            <a:pPr marL="180000"/>
+            <a:pPr marL="1094400" lvl="1" indent="-457200">
+              <a:buFont typeface="+mj-lt"/>
+              <a:buAutoNum type="arabicPeriod"/>
+            </a:pPr>
             <a:r>
               <a:rPr lang="en-US" sz="2000" dirty="0" smtClean="0">
                 <a:latin typeface="Muli" panose="00000500000000000000" pitchFamily="2" charset="0"/>
               </a:rPr>
-              <a:t>The management structure defined in the proposal and refined in the Project Initiation Documentation has been put in place, with all partners collaborating</a:t>
-            </a:r>
-          </a:p>
-          <a:p>
-            <a:pPr marL="180000"/>
+              <a:t>ELI-DC transformation into ELI-ERIC</a:t>
+            </a:r>
             <a:endParaRPr lang="en-US" sz="2000" dirty="0">
               <a:latin typeface="Muli" panose="00000500000000000000" pitchFamily="2" charset="0"/>
             </a:endParaRPr>
           </a:p>
           <a:p>
-            <a:pPr marL="180000"/>
+            <a:pPr marL="1551600" lvl="2" indent="-457200">
+              <a:buFont typeface="+mj-lt"/>
+              <a:buAutoNum type="alphaLcParenR"/>
+            </a:pPr>
+            <a:r>
+              <a:rPr lang="en-US" sz="2000" dirty="0" smtClean="0">
+                <a:latin typeface="Muli" panose="00000500000000000000" pitchFamily="2" charset="0"/>
+              </a:rPr>
+              <a:t>As planned and stated in the Grant Agreement</a:t>
+            </a:r>
+          </a:p>
+          <a:p>
+            <a:pPr marL="2008800" lvl="3" indent="-457200">
+              <a:buFont typeface="+mj-lt"/>
+              <a:buAutoNum type="alphaLcParenR"/>
+            </a:pPr>
+            <a:r>
+              <a:rPr lang="en-US" sz="2000" dirty="0" smtClean="0">
+                <a:latin typeface="Muli" panose="00000500000000000000" pitchFamily="2" charset="0"/>
+              </a:rPr>
+              <a:t>ELI-ERIC to replace ELI-DC as beneficiary</a:t>
+            </a:r>
+            <a:br>
+              <a:rPr lang="en-US" sz="2000" dirty="0" smtClean="0">
+                <a:latin typeface="Muli" panose="00000500000000000000" pitchFamily="2" charset="0"/>
+              </a:rPr>
+            </a:br>
             <a:endParaRPr lang="en-US" sz="2000" dirty="0" smtClean="0">
               <a:latin typeface="Muli" panose="00000500000000000000" pitchFamily="2" charset="0"/>
             </a:endParaRPr>
           </a:p>
           <a:p>
-            <a:pPr marL="180000"/>
+            <a:pPr marL="1551600" lvl="2" indent="-457200">
+              <a:buFont typeface="+mj-lt"/>
+              <a:buAutoNum type="alphaLcParenR"/>
+            </a:pPr>
+            <a:r>
+              <a:rPr lang="en-US" sz="2000" dirty="0" smtClean="0">
+                <a:latin typeface="Muli" panose="00000500000000000000" pitchFamily="2" charset="0"/>
+              </a:rPr>
+              <a:t>ELI-ERIC to accept all assets and liabilities of ELI-DC</a:t>
+            </a:r>
+            <a:br>
+              <a:rPr lang="en-US" sz="2000" dirty="0" smtClean="0">
+                <a:latin typeface="Muli" panose="00000500000000000000" pitchFamily="2" charset="0"/>
+              </a:rPr>
+            </a:br>
+            <a:endParaRPr lang="en-US" sz="2000" dirty="0" smtClean="0">
+              <a:latin typeface="Muli" panose="00000500000000000000" pitchFamily="2" charset="0"/>
+            </a:endParaRPr>
+          </a:p>
+          <a:p>
+            <a:pPr marL="1551600" lvl="2" indent="-457200">
+              <a:buFont typeface="+mj-lt"/>
+              <a:buAutoNum type="alphaLcParenR"/>
+            </a:pPr>
+            <a:r>
+              <a:rPr lang="en-US" sz="2000" dirty="0" smtClean="0">
+                <a:latin typeface="Muli" panose="00000500000000000000" pitchFamily="2" charset="0"/>
+              </a:rPr>
+              <a:t>ELI-BL and ELI-ALPS will be founding members of ELI-ERIC</a:t>
+            </a:r>
+          </a:p>
+          <a:p>
+            <a:pPr marL="1551600" lvl="2" indent="-457200">
+              <a:buFont typeface="+mj-lt"/>
+              <a:buAutoNum type="alphaLcParenR"/>
+            </a:pPr>
+            <a:r>
+              <a:rPr lang="en-US" sz="2000" dirty="0" smtClean="0">
+                <a:latin typeface="Muli" panose="00000500000000000000" pitchFamily="2" charset="0"/>
+              </a:rPr>
+              <a:t>ELI-NP will not be a member of ELI-ERIC </a:t>
+            </a:r>
+          </a:p>
+          <a:p>
+            <a:pPr marL="1551600" lvl="2" indent="-457200">
+              <a:buFont typeface="+mj-lt"/>
+              <a:buAutoNum type="alphaLcParenR"/>
+            </a:pPr>
             <a:endParaRPr lang="en-US" sz="2000" dirty="0">
               <a:latin typeface="Muli" panose="00000500000000000000" pitchFamily="2" charset="0"/>
             </a:endParaRPr>
           </a:p>
           <a:p>
-            <a:pPr marL="180000"/>
-            <a:endParaRPr lang="en-US" sz="2000" dirty="0" smtClean="0">
-              <a:latin typeface="Muli" panose="00000500000000000000" pitchFamily="2" charset="0"/>
-            </a:endParaRPr>
-          </a:p>
-          <a:p>
-            <a:pPr marL="180000"/>
+            <a:pPr marL="1094400" lvl="1" indent="-457200">
+              <a:buFont typeface="+mj-lt"/>
+              <a:buAutoNum type="arabicPeriod"/>
+            </a:pPr>
+            <a:r>
+              <a:rPr lang="en-US" sz="2000" dirty="0" smtClean="0">
+                <a:latin typeface="Muli" panose="00000500000000000000" pitchFamily="2" charset="0"/>
+              </a:rPr>
+              <a:t>Transfer/ reallocation of  </a:t>
+            </a:r>
+            <a:r>
+              <a:rPr lang="en-US" sz="2000" dirty="0" smtClean="0">
+                <a:latin typeface="Muli" panose="00000500000000000000" pitchFamily="2" charset="0"/>
+              </a:rPr>
+              <a:t>funds </a:t>
+            </a:r>
+            <a:r>
+              <a:rPr lang="en-US" sz="2000" dirty="0" smtClean="0">
+                <a:latin typeface="Muli" panose="00000500000000000000" pitchFamily="2" charset="0"/>
+              </a:rPr>
+              <a:t>from direct personnel costs </a:t>
+            </a:r>
+          </a:p>
+          <a:p>
+            <a:pPr marL="1551600" lvl="2" indent="-457200">
+              <a:buFont typeface="+mj-lt"/>
+              <a:buAutoNum type="alphaLcParenR"/>
+            </a:pPr>
+            <a:r>
+              <a:rPr lang="en-US" sz="2000" dirty="0" smtClean="0">
+                <a:latin typeface="Muli" panose="00000500000000000000" pitchFamily="2" charset="0"/>
+              </a:rPr>
+              <a:t>Due to difficulties recruiting</a:t>
+            </a:r>
+          </a:p>
+          <a:p>
+            <a:pPr marL="1551600" lvl="2" indent="-457200">
+              <a:buFont typeface="+mj-lt"/>
+              <a:buAutoNum type="alphaLcParenR"/>
+            </a:pPr>
+            <a:r>
+              <a:rPr lang="en-US" sz="2000" dirty="0" smtClean="0">
+                <a:latin typeface="Muli" panose="00000500000000000000" pitchFamily="2" charset="0"/>
+              </a:rPr>
+              <a:t>Internal </a:t>
+            </a:r>
+            <a:r>
+              <a:rPr lang="en-US" sz="2000" dirty="0" smtClean="0">
+                <a:latin typeface="Muli" panose="00000500000000000000" pitchFamily="2" charset="0"/>
+              </a:rPr>
+              <a:t>financial report at M9 showed underspending</a:t>
+            </a:r>
+          </a:p>
+          <a:p>
+            <a:pPr marL="1551600" lvl="2" indent="-457200">
+              <a:buFont typeface="+mj-lt"/>
+              <a:buAutoNum type="alphaLcParenR"/>
+            </a:pPr>
+            <a:r>
+              <a:rPr lang="en-US" sz="2000" dirty="0" smtClean="0">
+                <a:latin typeface="Muli" panose="00000500000000000000" pitchFamily="2" charset="0"/>
+              </a:rPr>
+              <a:t>Estimated total amount to be analysed following financial reporting at M18</a:t>
+            </a:r>
+          </a:p>
+          <a:p>
+            <a:pPr marL="1094400" lvl="1" indent="-457200">
+              <a:buFont typeface="+mj-lt"/>
+              <a:buAutoNum type="arabicPeriod"/>
+            </a:pPr>
             <a:endParaRPr lang="en-US" sz="2000" dirty="0">
               <a:latin typeface="Muli" panose="00000500000000000000" pitchFamily="2" charset="0"/>
             </a:endParaRPr>
           </a:p>
           <a:p>
-            <a:pPr marL="180000"/>
-            <a:endParaRPr lang="en-US" sz="2000" dirty="0" smtClean="0">
-              <a:latin typeface="Muli" panose="00000500000000000000" pitchFamily="2" charset="0"/>
-            </a:endParaRPr>
-          </a:p>
-          <a:p>
-            <a:pPr marL="180000"/>
+            <a:pPr marL="449263" lvl="1"/>
             <a:endParaRPr lang="en-US" sz="2000" dirty="0">
               <a:latin typeface="Muli" panose="00000500000000000000" pitchFamily="2" charset="0"/>
             </a:endParaRPr>
           </a:p>
-          <a:p>
-            <a:pPr marL="180000"/>
-            <a:r>
-              <a:rPr lang="en-US" sz="2000" dirty="0">
-                <a:latin typeface="Muli" panose="00000500000000000000" pitchFamily="2" charset="0"/>
-              </a:rPr>
-              <a:t/>
-            </a:r>
-            <a:br>
-              <a:rPr lang="en-US" sz="2000" dirty="0">
-                <a:latin typeface="Muli" panose="00000500000000000000" pitchFamily="2" charset="0"/>
-              </a:rPr>
-            </a:br>
-            <a:endParaRPr lang="en-US" sz="2000" dirty="0">
-              <a:latin typeface="Muli" panose="00000500000000000000" pitchFamily="2" charset="0"/>
-            </a:endParaRPr>
-          </a:p>
-          <a:p>
-            <a:pPr marL="180000"/>
-            <a:endParaRPr lang="en-US" sz="2000" dirty="0" smtClean="0">
-              <a:latin typeface="Muli" panose="00000500000000000000" pitchFamily="2" charset="0"/>
-            </a:endParaRPr>
-          </a:p>
-          <a:p>
-            <a:pPr marL="180000"/>
-            <a:r>
-              <a:rPr lang="en-US" sz="2000" dirty="0" smtClean="0">
-                <a:latin typeface="Muli" panose="00000500000000000000" pitchFamily="2" charset="0"/>
-              </a:rPr>
-              <a:t>Regular meetings of the Project Management Committee (WP leaders + representatives from all partners) taking place every other week.</a:t>
-            </a:r>
-            <a:endParaRPr lang="en-US" sz="2000" dirty="0" smtClean="0">
-              <a:latin typeface="Muli" panose="00000500000000000000" pitchFamily="2" charset="0"/>
-            </a:endParaRPr>
-          </a:p>
-          <a:p>
-            <a:pPr marL="180000"/>
-            <a:endParaRPr lang="en-US" sz="2000" dirty="0">
-              <a:latin typeface="Muli" panose="00000500000000000000" pitchFamily="2" charset="0"/>
-            </a:endParaRPr>
-          </a:p>
-          <a:p>
-            <a:pPr marL="180000">
-              <a:spcBef>
-                <a:spcPts val="600"/>
-              </a:spcBef>
-            </a:pPr>
-            <a:endParaRPr lang="en-GB" sz="2000" dirty="0">
-              <a:latin typeface="Muli" panose="00000500000000000000" pitchFamily="2" charset="0"/>
-            </a:endParaRPr>
-          </a:p>
         </p:txBody>
       </p:sp>
-      <p:pic>
-        <p:nvPicPr>
-          <p:cNvPr id="4" name="Picture 3"/>
-          <p:cNvPicPr>
-            <a:picLocks noChangeAspect="1"/>
-          </p:cNvPicPr>
-          <p:nvPr/>
-        </p:nvPicPr>
-        <p:blipFill>
-          <a:blip r:embed="rId2"/>
-          <a:stretch>
-            <a:fillRect/>
-          </a:stretch>
-        </p:blipFill>
-        <p:spPr>
-          <a:xfrm>
-            <a:off x="2128157" y="2286000"/>
-            <a:ext cx="7935686" cy="2799844"/>
-          </a:xfrm>
-          <a:prstGeom prst="rect">
-            <a:avLst/>
-          </a:prstGeom>
-        </p:spPr>
-      </p:pic>
     </p:spTree>
     <p:extLst>
       <p:ext uri="{BB962C8B-B14F-4D97-AF65-F5344CB8AC3E}">
-        <p14:creationId xmlns:p14="http://schemas.microsoft.com/office/powerpoint/2010/main" val="4251371073"/>
+        <p14:creationId xmlns:p14="http://schemas.microsoft.com/office/powerpoint/2010/main" val="3919085425"/>
       </p:ext>
     </p:extLst>
   </p:cSld>
@@ -16352,7 +16455,7 @@
               <a:rPr lang="en-US" b="1" spc="90" dirty="0" smtClean="0">
                 <a:latin typeface="Muli" panose="00000500000000000000" pitchFamily="2" charset="0"/>
               </a:rPr>
-              <a:t>Other management aspects (1)</a:t>
+              <a:t>Spending</a:t>
             </a:r>
             <a:endParaRPr lang="en-US" sz="2400" b="1" dirty="0">
               <a:latin typeface="Muli" panose="00000500000000000000" pitchFamily="2" charset="0"/>
@@ -16369,7 +16472,7 @@
         <p:spPr>
           <a:xfrm>
             <a:off x="0" y="1212741"/>
-            <a:ext cx="12192000" cy="4324261"/>
+            <a:ext cx="12192000" cy="4862870"/>
           </a:xfrm>
           <a:prstGeom prst="rect">
             <a:avLst/>
@@ -16383,105 +16486,11 @@
           <a:lstStyle/>
           <a:p>
             <a:pPr marL="180000">
-              <a:lnSpc>
-                <a:spcPct val="150000"/>
-              </a:lnSpc>
+              <a:spcBef>
+                <a:spcPts val="600"/>
+              </a:spcBef>
             </a:pPr>
-            <a:r>
-              <a:rPr lang="en-US" sz="2000" b="1" dirty="0" smtClean="0">
-                <a:latin typeface="Muli" panose="00000500000000000000" pitchFamily="2" charset="0"/>
-              </a:rPr>
-              <a:t>Risk Management</a:t>
-            </a:r>
-          </a:p>
-          <a:p>
-            <a:pPr marL="180000"/>
-            <a:r>
-              <a:rPr lang="en-US" sz="2000" dirty="0" smtClean="0">
-                <a:latin typeface="Muli" panose="00000500000000000000" pitchFamily="2" charset="0"/>
-              </a:rPr>
-              <a:t>Is being applied as per the proposal, with ownership of risks delegated to PaNOSC members closer to the risk.</a:t>
-            </a:r>
-          </a:p>
-          <a:p>
-            <a:pPr marL="180000"/>
-            <a:endParaRPr lang="en-US" sz="2000" b="1" dirty="0">
-              <a:latin typeface="Muli" panose="00000500000000000000" pitchFamily="2" charset="0"/>
-            </a:endParaRPr>
-          </a:p>
-          <a:p>
-            <a:pPr marL="180000">
-              <a:lnSpc>
-                <a:spcPct val="150000"/>
-              </a:lnSpc>
-            </a:pPr>
-            <a:r>
-              <a:rPr lang="en-US" sz="2000" b="1" dirty="0" smtClean="0">
-                <a:latin typeface="Muli" panose="00000500000000000000" pitchFamily="2" charset="0"/>
-              </a:rPr>
-              <a:t>Issue Management</a:t>
-            </a:r>
-            <a:endParaRPr lang="en-US" sz="2000" b="1" dirty="0">
-              <a:latin typeface="Muli" panose="00000500000000000000" pitchFamily="2" charset="0"/>
-            </a:endParaRPr>
-          </a:p>
-          <a:p>
-            <a:pPr marL="180000"/>
-            <a:r>
-              <a:rPr lang="en-US" sz="2000" dirty="0" smtClean="0">
-                <a:latin typeface="Muli" panose="00000500000000000000" pitchFamily="2" charset="0"/>
-              </a:rPr>
-              <a:t>Important issues that cannot be dealt at WP level are documented in GitHub and discussed during the regular Project Management Committee Meetings.</a:t>
-            </a:r>
-          </a:p>
-          <a:p>
-            <a:pPr marL="180000"/>
-            <a:endParaRPr lang="en-US" sz="2000" b="1" dirty="0">
-              <a:latin typeface="Muli" panose="00000500000000000000" pitchFamily="2" charset="0"/>
-            </a:endParaRPr>
-          </a:p>
-          <a:p>
-            <a:pPr marL="180000">
-              <a:lnSpc>
-                <a:spcPct val="150000"/>
-              </a:lnSpc>
-            </a:pPr>
-            <a:r>
-              <a:rPr lang="en-US" sz="2000" b="1" dirty="0" smtClean="0">
-                <a:latin typeface="Muli" panose="00000500000000000000" pitchFamily="2" charset="0"/>
-              </a:rPr>
-              <a:t>Internal Communication</a:t>
-            </a:r>
-            <a:endParaRPr lang="en-US" sz="2000" b="1" dirty="0">
-              <a:latin typeface="Muli" panose="00000500000000000000" pitchFamily="2" charset="0"/>
-            </a:endParaRPr>
-          </a:p>
-          <a:p>
-            <a:pPr marL="180000"/>
-            <a:r>
-              <a:rPr lang="en-US" sz="2000" dirty="0" smtClean="0">
-                <a:latin typeface="Muli" panose="00000500000000000000" pitchFamily="2" charset="0"/>
-              </a:rPr>
-              <a:t>Mailing lists, Slack, PaNOSC calendar and regular meetings used</a:t>
-            </a:r>
-            <a:r>
-              <a:rPr lang="en-US" sz="2000" dirty="0" smtClean="0">
-                <a:latin typeface="Muli" panose="00000500000000000000" pitchFamily="2" charset="0"/>
-              </a:rPr>
-              <a:t>.</a:t>
-            </a:r>
-            <a:br>
-              <a:rPr lang="en-US" sz="2000" dirty="0" smtClean="0">
-                <a:latin typeface="Muli" panose="00000500000000000000" pitchFamily="2" charset="0"/>
-              </a:rPr>
-            </a:br>
-            <a:r>
-              <a:rPr lang="en-US" sz="2000" dirty="0" smtClean="0">
-                <a:latin typeface="Muli" panose="00000500000000000000" pitchFamily="2" charset="0"/>
-              </a:rPr>
-              <a:t>Also, regular meetings with ExPaNDS</a:t>
-            </a:r>
-            <a:endParaRPr lang="en-US" sz="2000" dirty="0">
+            <a:endParaRPr lang="en-US" sz="2000" dirty="0" smtClean="0">
               <a:latin typeface="Muli" panose="00000500000000000000" pitchFamily="2" charset="0"/>
             </a:endParaRPr>
           </a:p>
@@ -16491,16 +16500,153 @@
                 <a:spcPts val="600"/>
               </a:spcBef>
             </a:pPr>
+            <a:r>
+              <a:rPr lang="en-US" sz="2000" dirty="0" smtClean="0">
+                <a:latin typeface="Muli" panose="00000500000000000000" pitchFamily="2" charset="0"/>
+              </a:rPr>
+              <a:t>At month 9, an internal financial report was produced, which showed some under-spending compared with our forecasts:</a:t>
+            </a:r>
+          </a:p>
+          <a:p>
+            <a:pPr marL="180000">
+              <a:spcBef>
+                <a:spcPts val="600"/>
+              </a:spcBef>
+            </a:pPr>
+            <a:endParaRPr lang="en-US" sz="2000" dirty="0">
+              <a:latin typeface="Muli" panose="00000500000000000000" pitchFamily="2" charset="0"/>
+            </a:endParaRPr>
+          </a:p>
+          <a:p>
+            <a:pPr marL="180000">
+              <a:spcBef>
+                <a:spcPts val="600"/>
+              </a:spcBef>
+            </a:pPr>
+            <a:endParaRPr lang="en-US" sz="2000" dirty="0" smtClean="0">
+              <a:latin typeface="Muli" panose="00000500000000000000" pitchFamily="2" charset="0"/>
+            </a:endParaRPr>
+          </a:p>
+          <a:p>
+            <a:pPr marL="180000">
+              <a:spcBef>
+                <a:spcPts val="600"/>
+              </a:spcBef>
+            </a:pPr>
+            <a:endParaRPr lang="en-US" sz="2000" dirty="0">
+              <a:latin typeface="Muli" panose="00000500000000000000" pitchFamily="2" charset="0"/>
+            </a:endParaRPr>
+          </a:p>
+          <a:p>
+            <a:pPr marL="180000">
+              <a:spcBef>
+                <a:spcPts val="600"/>
+              </a:spcBef>
+            </a:pPr>
+            <a:endParaRPr lang="en-US" sz="2000" dirty="0" smtClean="0">
+              <a:latin typeface="Muli" panose="00000500000000000000" pitchFamily="2" charset="0"/>
+            </a:endParaRPr>
+          </a:p>
+          <a:p>
+            <a:pPr marL="180000">
+              <a:spcBef>
+                <a:spcPts val="600"/>
+              </a:spcBef>
+            </a:pPr>
+            <a:endParaRPr lang="en-US" sz="2000" dirty="0">
+              <a:latin typeface="Muli" panose="00000500000000000000" pitchFamily="2" charset="0"/>
+            </a:endParaRPr>
+          </a:p>
+          <a:p>
+            <a:pPr marL="180000">
+              <a:spcBef>
+                <a:spcPts val="600"/>
+              </a:spcBef>
+            </a:pPr>
+            <a:r>
+              <a:rPr lang="en-US" sz="2000" dirty="0" smtClean="0">
+                <a:latin typeface="Muli" panose="00000500000000000000" pitchFamily="2" charset="0"/>
+              </a:rPr>
+              <a:t>A complete financial report as of month 18 could not be produced in time for this review meeting, however we expect:</a:t>
+            </a:r>
+          </a:p>
+          <a:p>
+            <a:pPr marL="522900" indent="-342900">
+              <a:spcBef>
+                <a:spcPts val="600"/>
+              </a:spcBef>
+              <a:buFont typeface="Arial" panose="020B0604020202020204" pitchFamily="34" charset="0"/>
+              <a:buChar char="•"/>
+            </a:pPr>
+            <a:r>
+              <a:rPr lang="en-US" sz="2000" dirty="0" smtClean="0">
+                <a:latin typeface="Muli" panose="00000500000000000000" pitchFamily="2" charset="0"/>
+              </a:rPr>
+              <a:t>Increase in spending </a:t>
+            </a:r>
+          </a:p>
+          <a:p>
+            <a:pPr marL="522900" indent="-342900">
+              <a:spcBef>
+                <a:spcPts val="600"/>
+              </a:spcBef>
+              <a:buFont typeface="Arial" panose="020B0604020202020204" pitchFamily="34" charset="0"/>
+              <a:buChar char="•"/>
+            </a:pPr>
+            <a:r>
+              <a:rPr lang="en-US" sz="2000" dirty="0" smtClean="0">
+                <a:latin typeface="Muli" panose="00000500000000000000" pitchFamily="2" charset="0"/>
+              </a:rPr>
+              <a:t>But not enough to catch-up with target spending levels</a:t>
+            </a:r>
+          </a:p>
+          <a:p>
+            <a:pPr marL="522900" indent="-342900">
+              <a:spcBef>
+                <a:spcPts val="600"/>
+              </a:spcBef>
+              <a:buFont typeface="Arial" panose="020B0604020202020204" pitchFamily="34" charset="0"/>
+              <a:buChar char="•"/>
+            </a:pPr>
+            <a:r>
+              <a:rPr lang="en-US" sz="2000" dirty="0" smtClean="0">
+                <a:latin typeface="Muli" panose="00000500000000000000" pitchFamily="2" charset="0"/>
+              </a:rPr>
+              <a:t>Increased gap between spending and forecast spending</a:t>
+            </a:r>
             <a:endParaRPr lang="en-GB" sz="2000" dirty="0">
               <a:latin typeface="Muli" panose="00000500000000000000" pitchFamily="2" charset="0"/>
             </a:endParaRPr>
           </a:p>
         </p:txBody>
       </p:sp>
+      <p:pic>
+        <p:nvPicPr>
+          <p:cNvPr id="4" name="Picture 3"/>
+          <p:cNvPicPr>
+            <a:picLocks noChangeAspect="1"/>
+          </p:cNvPicPr>
+          <p:nvPr/>
+        </p:nvPicPr>
+        <p:blipFill rotWithShape="1">
+          <a:blip r:embed="rId2"/>
+          <a:srcRect l="10399" t="4571" r="867" b="8572"/>
+          <a:stretch/>
+        </p:blipFill>
+        <p:spPr>
+          <a:xfrm>
+            <a:off x="236018" y="2286000"/>
+            <a:ext cx="11719963" cy="1739682"/>
+          </a:xfrm>
+          <a:prstGeom prst="rect">
+            <a:avLst/>
+          </a:prstGeom>
+        </p:spPr>
+      </p:pic>
     </p:spTree>
     <p:extLst>
       <p:ext uri="{BB962C8B-B14F-4D97-AF65-F5344CB8AC3E}">
-        <p14:creationId xmlns:p14="http://schemas.microsoft.com/office/powerpoint/2010/main" val="1892929694"/>
+        <p14:creationId xmlns:p14="http://schemas.microsoft.com/office/powerpoint/2010/main" val="3898284337"/>
       </p:ext>
     </p:extLst>
   </p:cSld>
@@ -16581,18 +16727,12 @@
               </a:lnSpc>
             </a:pPr>
             <a:r>
-              <a:rPr lang="en-US" b="1" spc="90" dirty="0">
-                <a:latin typeface="Muli" panose="00000500000000000000" pitchFamily="2" charset="0"/>
-              </a:rPr>
-              <a:t>Other management aspects </a:t>
-            </a:r>
-            <a:r>
               <a:rPr lang="en-US" b="1" spc="90" dirty="0" smtClean="0">
                 <a:latin typeface="Muli" panose="00000500000000000000" pitchFamily="2" charset="0"/>
               </a:rPr>
-              <a:t>(2)</a:t>
-            </a:r>
-            <a:endParaRPr lang="en-US" sz="5400" b="1" dirty="0">
+              <a:t>Other management aspects (1)</a:t>
+            </a:r>
+            <a:endParaRPr lang="en-US" sz="2400" b="1" dirty="0">
               <a:latin typeface="Muli" panose="00000500000000000000" pitchFamily="2" charset="0"/>
             </a:endParaRPr>
           </a:p>
@@ -16607,7 +16747,7 @@
         <p:spPr>
           <a:xfrm>
             <a:off x="0" y="1212741"/>
-            <a:ext cx="12192000" cy="5555367"/>
+            <a:ext cx="12192000" cy="4324261"/>
           </a:xfrm>
           <a:prstGeom prst="rect">
             <a:avLst/>
@@ -16625,35 +16765,82 @@
                 <a:spcPct val="150000"/>
               </a:lnSpc>
             </a:pPr>
-            <a:endParaRPr lang="en-US" sz="2000" b="1" dirty="0" smtClean="0">
+            <a:r>
+              <a:rPr lang="en-US" sz="2000" b="1" dirty="0" smtClean="0">
+                <a:latin typeface="Muli" panose="00000500000000000000" pitchFamily="2" charset="0"/>
+              </a:rPr>
+              <a:t>Risk Management</a:t>
+            </a:r>
+          </a:p>
+          <a:p>
+            <a:pPr marL="180000"/>
+            <a:r>
+              <a:rPr lang="en-US" sz="2000" dirty="0" smtClean="0">
+                <a:latin typeface="Muli" panose="00000500000000000000" pitchFamily="2" charset="0"/>
+              </a:rPr>
+              <a:t>Is being applied as per the proposal, with ownership of risks delegated to PaNOSC members closer to the risk.</a:t>
+            </a:r>
+          </a:p>
+          <a:p>
+            <a:pPr marL="180000"/>
+            <a:endParaRPr lang="en-US" sz="2000" b="1" dirty="0">
               <a:latin typeface="Muli" panose="00000500000000000000" pitchFamily="2" charset="0"/>
             </a:endParaRPr>
           </a:p>
           <a:p>
-            <a:pPr marL="522900" indent="-342900">
-              <a:buFont typeface="Arial" panose="020B0604020202020204" pitchFamily="34" charset="0"/>
-              <a:buChar char="•"/>
+            <a:pPr marL="180000">
+              <a:lnSpc>
+                <a:spcPct val="150000"/>
+              </a:lnSpc>
             </a:pPr>
             <a:r>
+              <a:rPr lang="en-US" sz="2000" b="1" dirty="0" smtClean="0">
+                <a:latin typeface="Muli" panose="00000500000000000000" pitchFamily="2" charset="0"/>
+              </a:rPr>
+              <a:t>Issue Management</a:t>
+            </a:r>
+            <a:endParaRPr lang="en-US" sz="2000" b="1" dirty="0">
+              <a:latin typeface="Muli" panose="00000500000000000000" pitchFamily="2" charset="0"/>
+            </a:endParaRPr>
+          </a:p>
+          <a:p>
+            <a:pPr marL="180000"/>
+            <a:r>
               <a:rPr lang="en-US" sz="2000" dirty="0" smtClean="0">
                 <a:latin typeface="Muli" panose="00000500000000000000" pitchFamily="2" charset="0"/>
               </a:rPr>
-              <a:t>Management </a:t>
-            </a:r>
+              <a:t>Important issues that cannot be dealt at WP level are documented in GitHub and discussed during the regular Project Management Committee Meetings.</a:t>
+            </a:r>
+          </a:p>
+          <a:p>
+            <a:pPr marL="180000"/>
+            <a:endParaRPr lang="en-US" sz="2000" b="1" dirty="0">
+              <a:latin typeface="Muli" panose="00000500000000000000" pitchFamily="2" charset="0"/>
+            </a:endParaRPr>
+          </a:p>
+          <a:p>
+            <a:pPr marL="180000">
+              <a:lnSpc>
+                <a:spcPct val="150000"/>
+              </a:lnSpc>
+            </a:pPr>
+            <a:r>
+              <a:rPr lang="en-US" sz="2000" b="1" dirty="0" smtClean="0">
+                <a:latin typeface="Muli" panose="00000500000000000000" pitchFamily="2" charset="0"/>
+              </a:rPr>
+              <a:t>Internal Communication</a:t>
+            </a:r>
+            <a:endParaRPr lang="en-US" sz="2000" b="1" dirty="0">
+              <a:latin typeface="Muli" panose="00000500000000000000" pitchFamily="2" charset="0"/>
+            </a:endParaRPr>
+          </a:p>
+          <a:p>
+            <a:pPr marL="180000"/>
             <a:r>
               <a:rPr lang="en-US" sz="2000" dirty="0" smtClean="0">
                 <a:latin typeface="Muli" panose="00000500000000000000" pitchFamily="2" charset="0"/>
               </a:rPr>
-              <a:t>by exception, </a:t>
-            </a:r>
-          </a:p>
-          <a:p>
-            <a:pPr marL="1160463"/>
-            <a:r>
-              <a:rPr lang="en-US" sz="2000" dirty="0" smtClean="0">
-                <a:latin typeface="Muli" panose="00000500000000000000" pitchFamily="2" charset="0"/>
-              </a:rPr>
-              <a:t>letting WP leaders  be independent and autonomous </a:t>
+              <a:t>Mailing lists, Slack, PaNOSC calendar and regular meetings used.</a:t>
             </a:r>
             <a:br>
               <a:rPr lang="en-US" sz="2000" dirty="0" smtClean="0">
@@ -16664,139 +16851,9 @@
               <a:rPr lang="en-US" sz="2000" dirty="0" smtClean="0">
                 <a:latin typeface="Muli" panose="00000500000000000000" pitchFamily="2" charset="0"/>
               </a:rPr>
-              <a:t>while encouraging collaboration between WPs and with other projects (like ExPaNDS)</a:t>
-            </a:r>
-            <a:br>
-              <a:rPr lang="en-US" sz="2000" dirty="0" smtClean="0">
-                <a:latin typeface="Muli" panose="00000500000000000000" pitchFamily="2" charset="0"/>
-              </a:rPr>
-            </a:br>
-            <a:endParaRPr lang="en-US" sz="2000" dirty="0" smtClean="0">
-              <a:latin typeface="Muli" panose="00000500000000000000" pitchFamily="2" charset="0"/>
-            </a:endParaRPr>
-          </a:p>
-          <a:p>
-            <a:pPr marL="522900" indent="-342900">
-              <a:buFont typeface="Arial" panose="020B0604020202020204" pitchFamily="34" charset="0"/>
-              <a:buChar char="•"/>
-            </a:pPr>
-            <a:r>
-              <a:rPr lang="en-US" sz="2000" dirty="0" smtClean="0">
-                <a:latin typeface="Muli" panose="00000500000000000000" pitchFamily="2" charset="0"/>
-              </a:rPr>
-              <a:t>Reminding WP leaders and PaNOSC partners representatives of major upcoming actions, reports, deliverables and milestones</a:t>
-            </a:r>
-            <a:br>
-              <a:rPr lang="en-US" sz="2000" dirty="0" smtClean="0">
-                <a:latin typeface="Muli" panose="00000500000000000000" pitchFamily="2" charset="0"/>
-              </a:rPr>
-            </a:br>
-            <a:endParaRPr lang="en-US" sz="2000" dirty="0" smtClean="0">
-              <a:latin typeface="Muli" panose="00000500000000000000" pitchFamily="2" charset="0"/>
-            </a:endParaRPr>
-          </a:p>
-          <a:p>
-            <a:pPr marL="522900" indent="-342900">
-              <a:buFont typeface="Arial" panose="020B0604020202020204" pitchFamily="34" charset="0"/>
-              <a:buChar char="•"/>
-            </a:pPr>
-            <a:r>
-              <a:rPr lang="en-US" sz="2000" dirty="0" smtClean="0">
-                <a:latin typeface="Muli" panose="00000500000000000000" pitchFamily="2" charset="0"/>
-              </a:rPr>
-              <a:t>Proactive approach to project management</a:t>
-            </a:r>
-          </a:p>
-          <a:p>
-            <a:pPr marL="1160463" lvl="2" indent="-342900">
-              <a:buFont typeface="Arial" panose="020B0604020202020204" pitchFamily="34" charset="0"/>
-              <a:buChar char="•"/>
-            </a:pPr>
-            <a:r>
-              <a:rPr lang="en-US" sz="2000" dirty="0" smtClean="0">
-                <a:latin typeface="Muli" panose="00000500000000000000" pitchFamily="2" charset="0"/>
-              </a:rPr>
-              <a:t>Regular meetings to follow-up progress</a:t>
-            </a:r>
-          </a:p>
-          <a:p>
-            <a:pPr marL="1160463" lvl="2" indent="-342900">
-              <a:buFont typeface="Arial" panose="020B0604020202020204" pitchFamily="34" charset="0"/>
-              <a:buChar char="•"/>
-            </a:pPr>
-            <a:r>
-              <a:rPr lang="en-US" sz="2000" dirty="0" smtClean="0">
-                <a:latin typeface="Muli" panose="00000500000000000000" pitchFamily="2" charset="0"/>
-              </a:rPr>
-              <a:t>Internal Milestones</a:t>
-            </a:r>
-          </a:p>
-          <a:p>
-            <a:pPr marL="1160463" lvl="2" indent="-342900">
-              <a:buFont typeface="Arial" panose="020B0604020202020204" pitchFamily="34" charset="0"/>
-              <a:buChar char="•"/>
-            </a:pPr>
-            <a:r>
-              <a:rPr lang="en-US" sz="2000" dirty="0" smtClean="0">
-                <a:latin typeface="Muli" panose="00000500000000000000" pitchFamily="2" charset="0"/>
-              </a:rPr>
-              <a:t>Internal Financial </a:t>
-            </a:r>
-            <a:r>
-              <a:rPr lang="en-US" sz="2000" dirty="0" smtClean="0">
-                <a:latin typeface="Muli" panose="00000500000000000000" pitchFamily="2" charset="0"/>
-              </a:rPr>
-              <a:t>Report</a:t>
-            </a:r>
-            <a:endParaRPr lang="en-US" sz="2000" dirty="0" smtClean="0">
-              <a:latin typeface="Muli" panose="00000500000000000000" pitchFamily="2" charset="0"/>
-            </a:endParaRPr>
-          </a:p>
-          <a:p>
-            <a:pPr marL="1160463" lvl="2" indent="-342900">
-              <a:buFont typeface="Arial" panose="020B0604020202020204" pitchFamily="34" charset="0"/>
-              <a:buChar char="•"/>
-            </a:pPr>
-            <a:r>
-              <a:rPr lang="en-US" sz="2000" dirty="0" smtClean="0">
-                <a:latin typeface="Muli" panose="00000500000000000000" pitchFamily="2" charset="0"/>
-              </a:rPr>
-              <a:t>New KPIs being </a:t>
-            </a:r>
-            <a:r>
-              <a:rPr lang="en-US" sz="2000" dirty="0" smtClean="0">
-                <a:latin typeface="Muli" panose="00000500000000000000" pitchFamily="2" charset="0"/>
-              </a:rPr>
-              <a:t>introduced (at WP level)</a:t>
-            </a:r>
-            <a:endParaRPr lang="en-US" sz="2000" dirty="0" smtClean="0">
-              <a:latin typeface="Muli" panose="00000500000000000000" pitchFamily="2" charset="0"/>
-            </a:endParaRPr>
-          </a:p>
-          <a:p>
-            <a:pPr marL="1160463" lvl="2" indent="-342900">
-              <a:buFont typeface="Arial" panose="020B0604020202020204" pitchFamily="34" charset="0"/>
-              <a:buChar char="•"/>
-            </a:pPr>
+              <a:t>Also, regular meetings with ExPaNDS</a:t>
+            </a:r>
             <a:endParaRPr lang="en-US" sz="2000" dirty="0">
-              <a:latin typeface="Muli" panose="00000500000000000000" pitchFamily="2" charset="0"/>
-            </a:endParaRPr>
-          </a:p>
-          <a:p>
-            <a:pPr marL="536575" lvl="1" indent="-342900">
-              <a:buFont typeface="Arial" panose="020B0604020202020204" pitchFamily="34" charset="0"/>
-              <a:buChar char="•"/>
-            </a:pPr>
-            <a:r>
-              <a:rPr lang="en-US" sz="2000" dirty="0" smtClean="0">
-                <a:latin typeface="Muli" panose="00000500000000000000" pitchFamily="2" charset="0"/>
-              </a:rPr>
-              <a:t>Being open with the management data (all non-confidential items are available in GitHub)</a:t>
-            </a:r>
-          </a:p>
-          <a:p>
-            <a:pPr marL="180000"/>
-            <a:endParaRPr lang="en-US" sz="2000" b="1" dirty="0">
               <a:latin typeface="Muli" panose="00000500000000000000" pitchFamily="2" charset="0"/>
             </a:endParaRPr>
           </a:p>
@@ -16815,7 +16872,7 @@
     </p:spTree>
     <p:extLst>
       <p:ext uri="{BB962C8B-B14F-4D97-AF65-F5344CB8AC3E}">
-        <p14:creationId xmlns:p14="http://schemas.microsoft.com/office/powerpoint/2010/main" val="4293551859"/>
+        <p14:creationId xmlns:p14="http://schemas.microsoft.com/office/powerpoint/2010/main" val="1892929694"/>
       </p:ext>
     </p:extLst>
   </p:cSld>

--- a/Work Packages/WP1 Management/Other/PaNOSC_WP1_ReviewMeeting_v2.pptx
+++ b/Work Packages/WP1 Management/Other/PaNOSC_WP1_ReviewMeeting_v2.pptx
@@ -13929,7 +13929,40 @@
               <a:rPr lang="en-US" sz="2800" dirty="0" smtClean="0">
                 <a:latin typeface="Muli" panose="00000500000000000000" pitchFamily="2" charset="0"/>
               </a:rPr>
-              <a:t>  Grant Agreement modifications</a:t>
+              <a:t>  Management </a:t>
+            </a:r>
+            <a:r>
+              <a:rPr lang="en-US" sz="2800" dirty="0">
+                <a:latin typeface="Muli" panose="00000500000000000000" pitchFamily="2" charset="0"/>
+              </a:rPr>
+              <a:t>structure</a:t>
+            </a:r>
+          </a:p>
+          <a:p>
+            <a:pPr marL="180000"/>
+            <a:r>
+              <a:rPr lang="en-US" sz="2800" smtClean="0">
+                <a:latin typeface="Muli" panose="00000500000000000000" pitchFamily="2" charset="0"/>
+              </a:rPr>
+              <a:t>  </a:t>
+            </a:r>
+            <a:endParaRPr lang="en-US" sz="2800" dirty="0">
+              <a:latin typeface="Muli" panose="00000500000000000000" pitchFamily="2" charset="0"/>
+            </a:endParaRPr>
+          </a:p>
+          <a:p>
+            <a:pPr marL="180000"/>
+            <a:r>
+              <a:rPr lang="en-US" sz="2800" dirty="0" smtClean="0">
+                <a:latin typeface="Muli" panose="00000500000000000000" pitchFamily="2" charset="0"/>
+              </a:rPr>
+              <a:t>  Grant </a:t>
+            </a:r>
+            <a:r>
+              <a:rPr lang="en-US" sz="2800" dirty="0" smtClean="0">
+                <a:latin typeface="Muli" panose="00000500000000000000" pitchFamily="2" charset="0"/>
+              </a:rPr>
+              <a:t>Agreement modifications</a:t>
             </a:r>
           </a:p>
           <a:p>
@@ -13944,22 +13977,19 @@
               <a:rPr lang="en-US" sz="2800" dirty="0" smtClean="0">
                 <a:latin typeface="Muli" panose="00000500000000000000" pitchFamily="2" charset="0"/>
               </a:rPr>
-              <a:t>  Management structure</a:t>
-            </a:r>
-          </a:p>
-          <a:p>
-            <a:pPr marL="180000"/>
-            <a:endParaRPr lang="en-US" sz="2800" dirty="0">
-              <a:latin typeface="Muli" panose="00000500000000000000" pitchFamily="2" charset="0"/>
-            </a:endParaRPr>
-          </a:p>
-          <a:p>
-            <a:pPr marL="180000"/>
+              <a:t>  </a:t>
+            </a:r>
             <a:r>
               <a:rPr lang="en-US" sz="2800" dirty="0" smtClean="0">
                 <a:latin typeface="Muli" panose="00000500000000000000" pitchFamily="2" charset="0"/>
               </a:rPr>
-              <a:t>  Internal communication, Risk, Issue and other management aspects</a:t>
+              <a:t>Internal </a:t>
+            </a:r>
+            <a:r>
+              <a:rPr lang="en-US" sz="2800" dirty="0" smtClean="0">
+                <a:latin typeface="Muli" panose="00000500000000000000" pitchFamily="2" charset="0"/>
+              </a:rPr>
+              <a:t>communication, Risk, Issue and other management aspects</a:t>
             </a:r>
             <a:endParaRPr lang="en-US" sz="2800" dirty="0">
               <a:latin typeface="Muli" panose="00000500000000000000" pitchFamily="2" charset="0"/>
@@ -16294,19 +16324,7 @@
               <a:rPr lang="en-US" sz="2000" dirty="0" smtClean="0">
                 <a:latin typeface="Muli" panose="00000500000000000000" pitchFamily="2" charset="0"/>
               </a:rPr>
-              <a:t>Transfer/ reallocation of  </a:t>
-            </a:r>
-            <a:r>
-              <a:rPr lang="en-US" sz="2000" dirty="0" smtClean="0">
-                <a:latin typeface="Muli" panose="00000500000000000000" pitchFamily="2" charset="0"/>
-              </a:rPr>
-              <a:t>funds </a:t>
-            </a:r>
-            <a:r>
-              <a:rPr lang="en-US" sz="2000" dirty="0" smtClean="0">
-                <a:latin typeface="Muli" panose="00000500000000000000" pitchFamily="2" charset="0"/>
-              </a:rPr>
-              <a:t>from direct personnel costs </a:t>
+              <a:t>Transfer/ reallocation of  funds from direct personnel costs </a:t>
             </a:r>
           </a:p>
           <a:p>
@@ -16330,13 +16348,7 @@
               <a:rPr lang="en-US" sz="2000" dirty="0" smtClean="0">
                 <a:latin typeface="Muli" panose="00000500000000000000" pitchFamily="2" charset="0"/>
               </a:rPr>
-              <a:t>Internal </a:t>
-            </a:r>
-            <a:r>
-              <a:rPr lang="en-US" sz="2000" dirty="0" smtClean="0">
-                <a:latin typeface="Muli" panose="00000500000000000000" pitchFamily="2" charset="0"/>
-              </a:rPr>
-              <a:t>financial report at M9 showed underspending</a:t>
+              <a:t>Internal financial report at M9 showed underspending</a:t>
             </a:r>
           </a:p>
           <a:p>

--- a/Work Packages/WP1 Management/Other/PaNOSC_WP1_ReviewMeeting_v2.pptx
+++ b/Work Packages/WP1 Management/Other/PaNOSC_WP1_ReviewMeeting_v2.pptx
@@ -249,7 +249,7 @@
           </a:lstStyle>
           <a:p>
             <a:fld id="{E6439749-5F7E-5648-9CD6-00744CE904A7}" type="datetimeFigureOut">
-              <a:t>09/06/2020</a:t>
+              <a:t>10/06/2020</a:t>
             </a:fld>
             <a:endParaRPr lang="it-IT"/>
           </a:p>
@@ -1225,7 +1225,7 @@
           </a:lstStyle>
           <a:p>
             <a:fld id="{95B7B0B5-0B63-3644-99A4-AB904A50937F}" type="datetime1">
-              <a:t>09/06/2020</a:t>
+              <a:t>10/06/2020</a:t>
             </a:fld>
             <a:endParaRPr lang="it-IT"/>
           </a:p>
@@ -1508,7 +1508,7 @@
           </a:lstStyle>
           <a:p>
             <a:fld id="{95B7B0B5-0B63-3644-99A4-AB904A50937F}" type="datetime1">
-              <a:t>09/06/2020</a:t>
+              <a:t>10/06/2020</a:t>
             </a:fld>
             <a:endParaRPr lang="it-IT"/>
           </a:p>
@@ -1650,7 +1650,7 @@
           </a:lstStyle>
           <a:p>
             <a:fld id="{95B7B0B5-0B63-3644-99A4-AB904A50937F}" type="datetime1">
-              <a:t>09/06/2020</a:t>
+              <a:t>10/06/2020</a:t>
             </a:fld>
             <a:endParaRPr lang="it-IT"/>
           </a:p>
@@ -1796,7 +1796,7 @@
           </a:lstStyle>
           <a:p>
             <a:fld id="{95B7B0B5-0B63-3644-99A4-AB904A50937F}" type="datetime1">
-              <a:t>09/06/2020</a:t>
+              <a:t>10/06/2020</a:t>
             </a:fld>
             <a:endParaRPr lang="it-IT"/>
           </a:p>
@@ -1975,7 +1975,7 @@
           </a:lstStyle>
           <a:p>
             <a:fld id="{95B7B0B5-0B63-3644-99A4-AB904A50937F}" type="datetime1">
-              <a:t>09/06/2020</a:t>
+              <a:t>10/06/2020</a:t>
             </a:fld>
             <a:endParaRPr lang="it-IT"/>
           </a:p>
@@ -2365,7 +2365,7 @@
           </a:lstStyle>
           <a:p>
             <a:fld id="{95B7B0B5-0B63-3644-99A4-AB904A50937F}" type="datetime1">
-              <a:t>09/06/2020</a:t>
+              <a:t>10/06/2020</a:t>
             </a:fld>
             <a:endParaRPr lang="it-IT"/>
           </a:p>
@@ -2611,7 +2611,7 @@
           </a:lstStyle>
           <a:p>
             <a:fld id="{95B7B0B5-0B63-3644-99A4-AB904A50937F}" type="datetime1">
-              <a:t>09/06/2020</a:t>
+              <a:t>10/06/2020</a:t>
             </a:fld>
             <a:endParaRPr lang="it-IT"/>
           </a:p>
@@ -2683,7 +2683,7 @@
           </a:lstStyle>
           <a:p>
             <a:fld id="{95B7B0B5-0B63-3644-99A4-AB904A50937F}" type="datetime1">
-              <a:t>09/06/2020</a:t>
+              <a:t>10/06/2020</a:t>
             </a:fld>
             <a:endParaRPr lang="it-IT"/>
           </a:p>
@@ -2755,7 +2755,7 @@
           </a:lstStyle>
           <a:p>
             <a:fld id="{95B7B0B5-0B63-3644-99A4-AB904A50937F}" type="datetime1">
-              <a:t>09/06/2020</a:t>
+              <a:t>10/06/2020</a:t>
             </a:fld>
             <a:endParaRPr lang="it-IT"/>
           </a:p>
@@ -2897,7 +2897,7 @@
           </a:lstStyle>
           <a:p>
             <a:fld id="{95B7B0B5-0B63-3644-99A4-AB904A50937F}" type="datetime1">
-              <a:t>09/06/2020</a:t>
+              <a:t>10/06/2020</a:t>
             </a:fld>
             <a:endParaRPr lang="it-IT"/>
           </a:p>
@@ -3043,7 +3043,7 @@
           </a:lstStyle>
           <a:p>
             <a:fld id="{95B7B0B5-0B63-3644-99A4-AB904A50937F}" type="datetime1">
-              <a:t>09/06/2020</a:t>
+              <a:t>10/06/2020</a:t>
             </a:fld>
             <a:endParaRPr lang="it-IT"/>
           </a:p>
@@ -3222,7 +3222,7 @@
           </a:lstStyle>
           <a:p>
             <a:fld id="{95B7B0B5-0B63-3644-99A4-AB904A50937F}" type="datetime1">
-              <a:t>09/06/2020</a:t>
+              <a:t>10/06/2020</a:t>
             </a:fld>
             <a:endParaRPr lang="it-IT"/>
           </a:p>
@@ -3375,7 +3375,7 @@
           </a:lstStyle>
           <a:p>
             <a:fld id="{99831E0E-B4B9-804C-B32F-14C6EC15B13E}" type="datetime1">
-              <a:t>09/06/2020</a:t>
+              <a:t>10/06/2020</a:t>
             </a:fld>
             <a:endParaRPr lang="it-IT"/>
           </a:p>
@@ -3751,7 +3751,7 @@
           </a:lstStyle>
           <a:p>
             <a:fld id="{95B7B0B5-0B63-3644-99A4-AB904A50937F}" type="datetime1">
-              <a:t>09/06/2020</a:t>
+              <a:t>10/06/2020</a:t>
             </a:fld>
             <a:endParaRPr lang="it-IT"/>
           </a:p>
@@ -3823,7 +3823,7 @@
           </a:lstStyle>
           <a:p>
             <a:fld id="{95B7B0B5-0B63-3644-99A4-AB904A50937F}" type="datetime1">
-              <a:t>09/06/2020</a:t>
+              <a:t>10/06/2020</a:t>
             </a:fld>
             <a:endParaRPr lang="it-IT"/>
           </a:p>
@@ -6196,7 +6196,7 @@
           </a:lstStyle>
           <a:p>
             <a:fld id="{95B7B0B5-0B63-3644-99A4-AB904A50937F}" type="datetime1">
-              <a:t>09/06/2020</a:t>
+              <a:t>10/06/2020</a:t>
             </a:fld>
             <a:endParaRPr lang="it-IT"/>
           </a:p>
@@ -9066,7 +9066,7 @@
               <a:rPr lang="en-US" sz="2000" dirty="0" smtClean="0">
                 <a:latin typeface="Muli" panose="00000500000000000000" pitchFamily="2" charset="0"/>
               </a:rPr>
-              <a:t>25 risks identified (10 medium, 15 low), among them:</a:t>
+              <a:t>25 risks identified (11 medium, 14 low), among them:</a:t>
             </a:r>
           </a:p>
           <a:p>
@@ -9324,14 +9324,14 @@
           <p:nvPr>
             <p:extLst>
               <p:ext uri="{D42A27DB-BD31-4B8C-83A1-F6EECF244321}">
-                <p14:modId xmlns:p14="http://schemas.microsoft.com/office/powerpoint/2010/main" val="2502967172"/>
+                <p14:modId xmlns:p14="http://schemas.microsoft.com/office/powerpoint/2010/main" val="1928639026"/>
               </p:ext>
             </p:extLst>
           </p:nvPr>
         </p:nvGraphicFramePr>
         <p:xfrm>
           <a:off x="304800" y="1297847"/>
-          <a:ext cx="11201400" cy="4112353"/>
+          <a:ext cx="11201400" cy="4853398"/>
         </p:xfrm>
         <a:graphic>
           <a:graphicData uri="http://schemas.openxmlformats.org/drawingml/2006/table">
@@ -10725,7 +10725,7 @@
                   </a:ext>
                 </a:extLst>
               </a:tr>
-              <a:tr h="0">
+              <a:tr h="246780">
                 <a:tc>
                   <a:txBody>
                     <a:bodyPr/>
@@ -10733,7 +10733,7 @@
                     <a:p>
                       <a:pPr algn="l" fontAlgn="b"/>
                       <a:r>
-                        <a:rPr lang="en-US" sz="1600" b="0" i="0" u="none" strike="noStrike">
+                        <a:rPr lang="en-US" sz="1600" b="0" i="0" u="none" strike="noStrike" dirty="0">
                           <a:solidFill>
                             <a:srgbClr val="000000"/>
                           </a:solidFill>
@@ -10808,7 +10808,7 @@
                           <a:effectLst/>
                           <a:latin typeface="Muli" panose="00000500000000000000" pitchFamily="2" charset="0"/>
                         </a:rPr>
-                        <a:t> and collaborating, however EOSC final structure is not yet clear.</a:t>
+                        <a:t> and collaborating, however EOSC final structure is yet being defined.</a:t>
                       </a:r>
                       <a:endParaRPr lang="en-GB" sz="1600" b="0" i="0" u="none" strike="noStrike" dirty="0">
                         <a:solidFill>
@@ -10865,15 +10865,31 @@
                   </a:ext>
                 </a:extLst>
               </a:tr>
-              <a:tr h="179612">
+              <a:tr h="246780">
                 <a:tc>
                   <a:txBody>
                     <a:bodyPr/>
                     <a:lstStyle/>
                     <a:p>
-                      <a:pPr algn="l" fontAlgn="b"/>
+                      <a:pPr marL="0" marR="0" lvl="0" indent="0" algn="l" defTabSz="457200" rtl="0" eaLnBrk="1" fontAlgn="b" latinLnBrk="0" hangingPunct="1">
+                        <a:lnSpc>
+                          <a:spcPct val="100000"/>
+                        </a:lnSpc>
+                        <a:spcBef>
+                          <a:spcPts val="0"/>
+                        </a:spcBef>
+                        <a:spcAft>
+                          <a:spcPts val="0"/>
+                        </a:spcAft>
+                        <a:buClrTx/>
+                        <a:buSzTx/>
+                        <a:buFontTx/>
+                        <a:buNone/>
+                        <a:tabLst/>
+                        <a:defRPr/>
+                      </a:pPr>
                       <a:r>
-                        <a:rPr lang="en-US" sz="1600" b="0" i="0" u="none" strike="noStrike">
+                        <a:rPr lang="en-US" sz="1600" b="0" i="0" u="none" strike="noStrike" dirty="0" smtClean="0">
                           <a:solidFill>
                             <a:schemeClr val="tx1"/>
                           </a:solidFill>
@@ -10882,6 +10898,16 @@
                         </a:rPr>
                         <a:t>Development of unsustainable business models</a:t>
                       </a:r>
+                    </a:p>
+                    <a:p>
+                      <a:pPr algn="l" fontAlgn="b"/>
+                      <a:endParaRPr lang="en-US" sz="1600" b="0" i="0" u="none" strike="noStrike" dirty="0">
+                        <a:solidFill>
+                          <a:srgbClr val="000000"/>
+                        </a:solidFill>
+                        <a:effectLst/>
+                        <a:latin typeface="Muli" panose="00000500000000000000" pitchFamily="2" charset="0"/>
+                      </a:endParaRPr>
                     </a:p>
                   </a:txBody>
                   <a:tcPr marL="9525" marR="9525" marT="9525" marB="0" anchor="b">
@@ -10954,7 +10980,203 @@
                           <a:effectLst/>
                           <a:latin typeface="Muli" panose="00000500000000000000" pitchFamily="2" charset="0"/>
                         </a:rPr>
-                        <a:t>Too early to say</a:t>
+                        <a:t>Taking all measures to keep this risk under control</a:t>
+                      </a:r>
+                      <a:endParaRPr lang="en-GB" sz="1600" b="0" i="0" u="none" strike="noStrike" dirty="0" smtClean="0">
+                        <a:solidFill>
+                          <a:schemeClr val="tx1"/>
+                        </a:solidFill>
+                        <a:effectLst/>
+                        <a:latin typeface="Muli" panose="00000500000000000000" pitchFamily="2" charset="0"/>
+                      </a:endParaRPr>
+                    </a:p>
+                    <a:p>
+                      <a:pPr marL="72000" algn="l" fontAlgn="b"/>
+                      <a:endParaRPr lang="en-GB" sz="1600" b="0" i="0" u="none" strike="noStrike" dirty="0">
+                        <a:solidFill>
+                          <a:schemeClr val="tx1"/>
+                        </a:solidFill>
+                        <a:effectLst/>
+                        <a:latin typeface="Muli" panose="00000500000000000000" pitchFamily="2" charset="0"/>
+                      </a:endParaRPr>
+                    </a:p>
+                  </a:txBody>
+                  <a:tcPr marL="5880" marR="5880" marT="5880" marB="0" anchor="b">
+                    <a:lnL w="12700" cap="flat" cmpd="sng" algn="ctr">
+                      <a:solidFill>
+                        <a:schemeClr val="tx1"/>
+                      </a:solidFill>
+                      <a:prstDash val="solid"/>
+                      <a:round/>
+                      <a:headEnd type="none" w="med" len="med"/>
+                      <a:tailEnd type="none" w="med" len="med"/>
+                    </a:lnL>
+                    <a:lnR w="12700" cap="flat" cmpd="sng" algn="ctr">
+                      <a:solidFill>
+                        <a:schemeClr val="tx1"/>
+                      </a:solidFill>
+                      <a:prstDash val="solid"/>
+                      <a:round/>
+                      <a:headEnd type="none" w="med" len="med"/>
+                      <a:tailEnd type="none" w="med" len="med"/>
+                    </a:lnR>
+                    <a:lnT w="12700" cap="flat" cmpd="sng" algn="ctr">
+                      <a:solidFill>
+                        <a:schemeClr val="tx1"/>
+                      </a:solidFill>
+                      <a:prstDash val="solid"/>
+                      <a:round/>
+                      <a:headEnd type="none" w="med" len="med"/>
+                      <a:tailEnd type="none" w="med" len="med"/>
+                    </a:lnT>
+                    <a:lnB w="12700" cap="flat" cmpd="sng" algn="ctr">
+                      <a:solidFill>
+                        <a:schemeClr val="tx1"/>
+                      </a:solidFill>
+                      <a:prstDash val="solid"/>
+                      <a:round/>
+                      <a:headEnd type="none" w="med" len="med"/>
+                      <a:tailEnd type="none" w="med" len="med"/>
+                    </a:lnB>
+                    <a:noFill/>
+                  </a:tcPr>
+                </a:tc>
+                <a:extLst>
+                  <a:ext uri="{0D108BD9-81ED-4DB2-BD59-A6C34878D82A}">
+                    <a16:rowId xmlns:a16="http://schemas.microsoft.com/office/drawing/2014/main" val="2656510590"/>
+                  </a:ext>
+                </a:extLst>
+              </a:tr>
+              <a:tr h="179612">
+                <a:tc>
+                  <a:txBody>
+                    <a:bodyPr/>
+                    <a:lstStyle/>
+                    <a:p>
+                      <a:pPr marL="0" marR="0" lvl="0" indent="0" algn="l" defTabSz="457200" rtl="0" eaLnBrk="1" fontAlgn="b" latinLnBrk="0" hangingPunct="1">
+                        <a:lnSpc>
+                          <a:spcPct val="100000"/>
+                        </a:lnSpc>
+                        <a:spcBef>
+                          <a:spcPts val="0"/>
+                        </a:spcBef>
+                        <a:spcAft>
+                          <a:spcPts val="0"/>
+                        </a:spcAft>
+                        <a:buClrTx/>
+                        <a:buSzTx/>
+                        <a:buFontTx/>
+                        <a:buNone/>
+                        <a:tabLst/>
+                        <a:defRPr/>
+                      </a:pPr>
+                      <a:r>
+                        <a:rPr lang="en-GB" sz="1600" u="none" strike="noStrike" dirty="0" smtClean="0">
+                          <a:effectLst/>
+                          <a:latin typeface="Muli" panose="00000500000000000000" pitchFamily="2" charset="0"/>
+                        </a:rPr>
+                        <a:t>Not common viewpoint of stakeholders</a:t>
+                      </a:r>
+                      <a:endParaRPr lang="en-GB" sz="1600" b="0" i="0" u="none" strike="noStrike" dirty="0" smtClean="0">
+                        <a:solidFill>
+                          <a:srgbClr val="000000"/>
+                        </a:solidFill>
+                        <a:effectLst/>
+                        <a:latin typeface="Muli" panose="00000500000000000000" pitchFamily="2" charset="0"/>
+                      </a:endParaRPr>
+                    </a:p>
+                    <a:p>
+                      <a:pPr algn="l" fontAlgn="b"/>
+                      <a:endParaRPr lang="en-US" sz="1600" b="0" i="0" u="none" strike="noStrike" dirty="0">
+                        <a:solidFill>
+                          <a:schemeClr val="tx1"/>
+                        </a:solidFill>
+                        <a:effectLst/>
+                        <a:latin typeface="Muli" panose="00000500000000000000" pitchFamily="2" charset="0"/>
+                      </a:endParaRPr>
+                    </a:p>
+                  </a:txBody>
+                  <a:tcPr marL="9525" marR="9525" marT="9525" marB="0" anchor="b">
+                    <a:lnL w="12700" cap="flat" cmpd="sng" algn="ctr">
+                      <a:solidFill>
+                        <a:schemeClr val="tx1"/>
+                      </a:solidFill>
+                      <a:prstDash val="solid"/>
+                      <a:round/>
+                      <a:headEnd type="none" w="med" len="med"/>
+                      <a:tailEnd type="none" w="med" len="med"/>
+                    </a:lnL>
+                    <a:lnR w="12700" cap="flat" cmpd="sng" algn="ctr">
+                      <a:solidFill>
+                        <a:schemeClr val="tx1"/>
+                      </a:solidFill>
+                      <a:prstDash val="solid"/>
+                      <a:round/>
+                      <a:headEnd type="none" w="med" len="med"/>
+                      <a:tailEnd type="none" w="med" len="med"/>
+                    </a:lnR>
+                    <a:lnT w="12700" cap="flat" cmpd="sng" algn="ctr">
+                      <a:solidFill>
+                        <a:schemeClr val="tx1"/>
+                      </a:solidFill>
+                      <a:prstDash val="solid"/>
+                      <a:round/>
+                      <a:headEnd type="none" w="med" len="med"/>
+                      <a:tailEnd type="none" w="med" len="med"/>
+                    </a:lnT>
+                    <a:lnB w="12700" cap="flat" cmpd="sng" algn="ctr">
+                      <a:solidFill>
+                        <a:schemeClr val="tx1"/>
+                      </a:solidFill>
+                      <a:prstDash val="solid"/>
+                      <a:round/>
+                      <a:headEnd type="none" w="med" len="med"/>
+                      <a:tailEnd type="none" w="med" len="med"/>
+                    </a:lnB>
+                    <a:noFill/>
+                  </a:tcPr>
+                </a:tc>
+                <a:tc>
+                  <a:txBody>
+                    <a:bodyPr/>
+                    <a:lstStyle/>
+                    <a:p>
+                      <a:pPr marL="72000" marR="0" lvl="0" indent="0" algn="l" defTabSz="457200" rtl="0" eaLnBrk="1" fontAlgn="b" latinLnBrk="0" hangingPunct="1">
+                        <a:lnSpc>
+                          <a:spcPct val="100000"/>
+                        </a:lnSpc>
+                        <a:spcBef>
+                          <a:spcPts val="0"/>
+                        </a:spcBef>
+                        <a:spcAft>
+                          <a:spcPts val="0"/>
+                        </a:spcAft>
+                        <a:buClrTx/>
+                        <a:buSzTx/>
+                        <a:buFontTx/>
+                        <a:buNone/>
+                        <a:tabLst/>
+                        <a:defRPr/>
+                      </a:pPr>
+                      <a:r>
+                        <a:rPr lang="en-US" sz="1600" b="0" i="0" u="none" strike="noStrike" baseline="0" dirty="0" smtClean="0">
+                          <a:solidFill>
+                            <a:schemeClr val="tx1"/>
+                          </a:solidFill>
+                          <a:effectLst/>
+                          <a:latin typeface="Muli" panose="00000500000000000000" pitchFamily="2" charset="0"/>
+                        </a:rPr>
+                        <a:t>This risk has not manifested yet, may become relevant later in the project</a:t>
+                      </a:r>
+                      <a:r>
+                        <a:rPr lang="en-GB" sz="1600" b="0" i="0" u="none" strike="noStrike" baseline="0" dirty="0" smtClean="0">
+                          <a:solidFill>
+                            <a:schemeClr val="tx1"/>
+                          </a:solidFill>
+                          <a:effectLst/>
+                          <a:latin typeface="Muli" panose="00000500000000000000" pitchFamily="2" charset="0"/>
+                        </a:rPr>
+                        <a:t>.</a:t>
                       </a:r>
                       <a:endParaRPr lang="en-GB" sz="1600" b="0" i="0" u="none" strike="noStrike" dirty="0" smtClean="0">
                         <a:solidFill>
@@ -11211,14 +11433,14 @@
           <p:nvPr>
             <p:extLst>
               <p:ext uri="{D42A27DB-BD31-4B8C-83A1-F6EECF244321}">
-                <p14:modId xmlns:p14="http://schemas.microsoft.com/office/powerpoint/2010/main" val="300919899"/>
+                <p14:modId xmlns:p14="http://schemas.microsoft.com/office/powerpoint/2010/main" val="1289540445"/>
               </p:ext>
             </p:extLst>
           </p:nvPr>
         </p:nvGraphicFramePr>
         <p:xfrm>
           <a:off x="495300" y="1371600"/>
-          <a:ext cx="11201400" cy="4403537"/>
+          <a:ext cx="11201400" cy="4153817"/>
         </p:xfrm>
         <a:graphic>
           <a:graphicData uri="http://schemas.openxmlformats.org/drawingml/2006/table">
@@ -12648,157 +12870,6 @@
                 <a:extLst>
                   <a:ext uri="{0D108BD9-81ED-4DB2-BD59-A6C34878D82A}">
                     <a16:rowId xmlns:a16="http://schemas.microsoft.com/office/drawing/2014/main" val="200348874"/>
-                  </a:ext>
-                </a:extLst>
-              </a:tr>
-              <a:tr h="0">
-                <a:tc>
-                  <a:txBody>
-                    <a:bodyPr/>
-                    <a:lstStyle/>
-                    <a:p>
-                      <a:pPr marL="72000" algn="l" fontAlgn="b"/>
-                      <a:r>
-                        <a:rPr lang="en-GB" sz="1600" u="none" strike="noStrike" dirty="0">
-                          <a:effectLst/>
-                          <a:latin typeface="Muli" panose="00000500000000000000" pitchFamily="2" charset="0"/>
-                        </a:rPr>
-                        <a:t>Not common </a:t>
-                      </a:r>
-                      <a:r>
-                        <a:rPr lang="en-GB" sz="1600" u="none" strike="noStrike" dirty="0" smtClean="0">
-                          <a:effectLst/>
-                          <a:latin typeface="Muli" panose="00000500000000000000" pitchFamily="2" charset="0"/>
-                        </a:rPr>
-                        <a:t>viewpoint of stakeholders</a:t>
-                      </a:r>
-                      <a:endParaRPr lang="en-GB" sz="1600" b="0" i="0" u="none" strike="noStrike" dirty="0">
-                        <a:solidFill>
-                          <a:srgbClr val="000000"/>
-                        </a:solidFill>
-                        <a:effectLst/>
-                        <a:latin typeface="Muli" panose="00000500000000000000" pitchFamily="2" charset="0"/>
-                      </a:endParaRPr>
-                    </a:p>
-                  </a:txBody>
-                  <a:tcPr marL="5880" marR="5880" marT="5880" marB="0" anchor="b">
-                    <a:lnL w="12700" cap="flat" cmpd="sng" algn="ctr">
-                      <a:solidFill>
-                        <a:schemeClr val="tx1"/>
-                      </a:solidFill>
-                      <a:prstDash val="solid"/>
-                      <a:round/>
-                      <a:headEnd type="none" w="med" len="med"/>
-                      <a:tailEnd type="none" w="med" len="med"/>
-                    </a:lnL>
-                    <a:lnR w="12700" cap="flat" cmpd="sng" algn="ctr">
-                      <a:solidFill>
-                        <a:schemeClr val="tx1"/>
-                      </a:solidFill>
-                      <a:prstDash val="solid"/>
-                      <a:round/>
-                      <a:headEnd type="none" w="med" len="med"/>
-                      <a:tailEnd type="none" w="med" len="med"/>
-                    </a:lnR>
-                    <a:lnT w="12700" cap="flat" cmpd="sng" algn="ctr">
-                      <a:solidFill>
-                        <a:schemeClr val="tx1"/>
-                      </a:solidFill>
-                      <a:prstDash val="solid"/>
-                      <a:round/>
-                      <a:headEnd type="none" w="med" len="med"/>
-                      <a:tailEnd type="none" w="med" len="med"/>
-                    </a:lnT>
-                    <a:lnB w="12700" cap="flat" cmpd="sng" algn="ctr">
-                      <a:solidFill>
-                        <a:schemeClr val="tx1"/>
-                      </a:solidFill>
-                      <a:prstDash val="solid"/>
-                      <a:round/>
-                      <a:headEnd type="none" w="med" len="med"/>
-                      <a:tailEnd type="none" w="med" len="med"/>
-                    </a:lnB>
-                    <a:noFill/>
-                  </a:tcPr>
-                </a:tc>
-                <a:tc>
-                  <a:txBody>
-                    <a:bodyPr/>
-                    <a:lstStyle/>
-                    <a:p>
-                      <a:pPr marL="72000" algn="l" fontAlgn="b"/>
-                      <a:r>
-                        <a:rPr lang="en-US" sz="1600" b="0" i="0" u="none" strike="noStrike" dirty="0" smtClean="0">
-                          <a:solidFill>
-                            <a:schemeClr val="tx1"/>
-                          </a:solidFill>
-                          <a:effectLst/>
-                          <a:latin typeface="Muli" panose="00000500000000000000" pitchFamily="2" charset="0"/>
-                        </a:rPr>
-                        <a:t>Too early, stakeholders identified, feedback</a:t>
-                      </a:r>
-                      <a:r>
-                        <a:rPr lang="en-US" sz="1600" b="0" i="0" u="none" strike="noStrike" baseline="0" dirty="0" smtClean="0">
-                          <a:solidFill>
-                            <a:schemeClr val="tx1"/>
-                          </a:solidFill>
-                          <a:effectLst/>
-                          <a:latin typeface="Muli" panose="00000500000000000000" pitchFamily="2" charset="0"/>
-                        </a:rPr>
-                        <a:t> not yet received</a:t>
-                      </a:r>
-                      <a:endParaRPr lang="en-GB" sz="1600" b="0" i="0" u="none" strike="noStrike" dirty="0">
-                        <a:solidFill>
-                          <a:schemeClr val="tx1"/>
-                        </a:solidFill>
-                        <a:effectLst/>
-                        <a:latin typeface="Muli" panose="00000500000000000000" pitchFamily="2" charset="0"/>
-                      </a:endParaRPr>
-                    </a:p>
-                  </a:txBody>
-                  <a:tcPr marL="5880" marR="5880" marT="5880" marB="0" anchor="b">
-                    <a:lnL w="12700" cap="flat" cmpd="sng" algn="ctr">
-                      <a:solidFill>
-                        <a:schemeClr val="tx1"/>
-                      </a:solidFill>
-                      <a:prstDash val="solid"/>
-                      <a:round/>
-                      <a:headEnd type="none" w="med" len="med"/>
-                      <a:tailEnd type="none" w="med" len="med"/>
-                    </a:lnL>
-                    <a:lnR w="12700" cap="flat" cmpd="sng" algn="ctr">
-                      <a:solidFill>
-                        <a:schemeClr val="tx1"/>
-                      </a:solidFill>
-                      <a:prstDash val="solid"/>
-                      <a:round/>
-                      <a:headEnd type="none" w="med" len="med"/>
-                      <a:tailEnd type="none" w="med" len="med"/>
-                    </a:lnR>
-                    <a:lnT w="12700" cap="flat" cmpd="sng" algn="ctr">
-                      <a:solidFill>
-                        <a:schemeClr val="tx1"/>
-                      </a:solidFill>
-                      <a:prstDash val="solid"/>
-                      <a:round/>
-                      <a:headEnd type="none" w="med" len="med"/>
-                      <a:tailEnd type="none" w="med" len="med"/>
-                    </a:lnT>
-                    <a:lnB w="12700" cap="flat" cmpd="sng" algn="ctr">
-                      <a:solidFill>
-                        <a:schemeClr val="tx1"/>
-                      </a:solidFill>
-                      <a:prstDash val="solid"/>
-                      <a:round/>
-                      <a:headEnd type="none" w="med" len="med"/>
-                      <a:tailEnd type="none" w="med" len="med"/>
-                    </a:lnB>
-                    <a:noFill/>
-                  </a:tcPr>
-                </a:tc>
-                <a:extLst>
-                  <a:ext uri="{0D108BD9-81ED-4DB2-BD59-A6C34878D82A}">
-                    <a16:rowId xmlns:a16="http://schemas.microsoft.com/office/drawing/2014/main" val="1909767215"/>
                   </a:ext>
                 </a:extLst>
               </a:tr>
@@ -13956,13 +14027,7 @@
               <a:rPr lang="en-US" sz="2800" dirty="0" smtClean="0">
                 <a:latin typeface="Muli" panose="00000500000000000000" pitchFamily="2" charset="0"/>
               </a:rPr>
-              <a:t>  Grant </a:t>
-            </a:r>
-            <a:r>
-              <a:rPr lang="en-US" sz="2800" dirty="0" smtClean="0">
-                <a:latin typeface="Muli" panose="00000500000000000000" pitchFamily="2" charset="0"/>
-              </a:rPr>
-              <a:t>Agreement modifications</a:t>
+              <a:t>  Grant Agreement modifications</a:t>
             </a:r>
           </a:p>
           <a:p>
@@ -13977,19 +14042,7 @@
               <a:rPr lang="en-US" sz="2800" dirty="0" smtClean="0">
                 <a:latin typeface="Muli" panose="00000500000000000000" pitchFamily="2" charset="0"/>
               </a:rPr>
-              <a:t>  </a:t>
-            </a:r>
-            <a:r>
-              <a:rPr lang="en-US" sz="2800" dirty="0" smtClean="0">
-                <a:latin typeface="Muli" panose="00000500000000000000" pitchFamily="2" charset="0"/>
-              </a:rPr>
-              <a:t>Internal </a:t>
-            </a:r>
-            <a:r>
-              <a:rPr lang="en-US" sz="2800" dirty="0" smtClean="0">
-                <a:latin typeface="Muli" panose="00000500000000000000" pitchFamily="2" charset="0"/>
-              </a:rPr>
-              <a:t>communication, Risk, Issue and other management aspects</a:t>
+              <a:t>  Internal communication, Risk, Issue and other management aspects</a:t>
             </a:r>
             <a:endParaRPr lang="en-US" sz="2800" dirty="0">
               <a:latin typeface="Muli" panose="00000500000000000000" pitchFamily="2" charset="0"/>

--- a/Work Packages/WP1 Management/Other/PaNOSC_WP1_ReviewMeeting_v2.pptx
+++ b/Work Packages/WP1 Management/Other/PaNOSC_WP1_ReviewMeeting_v2.pptx
@@ -8,7 +8,7 @@
     <p:sldMasterId id="2147483674" r:id="rId4"/>
   </p:sldMasterIdLst>
   <p:notesMasterIdLst>
-    <p:notesMasterId r:id="rId20"/>
+    <p:notesMasterId r:id="rId21"/>
   </p:notesMasterIdLst>
   <p:sldIdLst>
     <p:sldId id="264" r:id="rId5"/>
@@ -26,6 +26,7 @@
     <p:sldId id="278" r:id="rId17"/>
     <p:sldId id="280" r:id="rId18"/>
     <p:sldId id="279" r:id="rId19"/>
+    <p:sldId id="282" r:id="rId20"/>
   </p:sldIdLst>
   <p:sldSz cx="12192000" cy="6858000"/>
   <p:notesSz cx="12192000" cy="6858000"/>
@@ -249,7 +250,7 @@
           </a:lstStyle>
           <a:p>
             <a:fld id="{E6439749-5F7E-5648-9CD6-00744CE904A7}" type="datetimeFigureOut">
-              <a:t>10/06/2020</a:t>
+              <a:t>15/06/2020</a:t>
             </a:fld>
             <a:endParaRPr lang="it-IT"/>
           </a:p>
@@ -1225,7 +1226,7 @@
           </a:lstStyle>
           <a:p>
             <a:fld id="{95B7B0B5-0B63-3644-99A4-AB904A50937F}" type="datetime1">
-              <a:t>10/06/2020</a:t>
+              <a:t>15/06/2020</a:t>
             </a:fld>
             <a:endParaRPr lang="it-IT"/>
           </a:p>
@@ -1508,7 +1509,7 @@
           </a:lstStyle>
           <a:p>
             <a:fld id="{95B7B0B5-0B63-3644-99A4-AB904A50937F}" type="datetime1">
-              <a:t>10/06/2020</a:t>
+              <a:t>15/06/2020</a:t>
             </a:fld>
             <a:endParaRPr lang="it-IT"/>
           </a:p>
@@ -1650,7 +1651,7 @@
           </a:lstStyle>
           <a:p>
             <a:fld id="{95B7B0B5-0B63-3644-99A4-AB904A50937F}" type="datetime1">
-              <a:t>10/06/2020</a:t>
+              <a:t>15/06/2020</a:t>
             </a:fld>
             <a:endParaRPr lang="it-IT"/>
           </a:p>
@@ -1796,7 +1797,7 @@
           </a:lstStyle>
           <a:p>
             <a:fld id="{95B7B0B5-0B63-3644-99A4-AB904A50937F}" type="datetime1">
-              <a:t>10/06/2020</a:t>
+              <a:t>15/06/2020</a:t>
             </a:fld>
             <a:endParaRPr lang="it-IT"/>
           </a:p>
@@ -1975,7 +1976,7 @@
           </a:lstStyle>
           <a:p>
             <a:fld id="{95B7B0B5-0B63-3644-99A4-AB904A50937F}" type="datetime1">
-              <a:t>10/06/2020</a:t>
+              <a:t>15/06/2020</a:t>
             </a:fld>
             <a:endParaRPr lang="it-IT"/>
           </a:p>
@@ -2365,7 +2366,7 @@
           </a:lstStyle>
           <a:p>
             <a:fld id="{95B7B0B5-0B63-3644-99A4-AB904A50937F}" type="datetime1">
-              <a:t>10/06/2020</a:t>
+              <a:t>15/06/2020</a:t>
             </a:fld>
             <a:endParaRPr lang="it-IT"/>
           </a:p>
@@ -2611,7 +2612,7 @@
           </a:lstStyle>
           <a:p>
             <a:fld id="{95B7B0B5-0B63-3644-99A4-AB904A50937F}" type="datetime1">
-              <a:t>10/06/2020</a:t>
+              <a:t>15/06/2020</a:t>
             </a:fld>
             <a:endParaRPr lang="it-IT"/>
           </a:p>
@@ -2683,7 +2684,7 @@
           </a:lstStyle>
           <a:p>
             <a:fld id="{95B7B0B5-0B63-3644-99A4-AB904A50937F}" type="datetime1">
-              <a:t>10/06/2020</a:t>
+              <a:t>15/06/2020</a:t>
             </a:fld>
             <a:endParaRPr lang="it-IT"/>
           </a:p>
@@ -2755,7 +2756,7 @@
           </a:lstStyle>
           <a:p>
             <a:fld id="{95B7B0B5-0B63-3644-99A4-AB904A50937F}" type="datetime1">
-              <a:t>10/06/2020</a:t>
+              <a:t>15/06/2020</a:t>
             </a:fld>
             <a:endParaRPr lang="it-IT"/>
           </a:p>
@@ -2897,7 +2898,7 @@
           </a:lstStyle>
           <a:p>
             <a:fld id="{95B7B0B5-0B63-3644-99A4-AB904A50937F}" type="datetime1">
-              <a:t>10/06/2020</a:t>
+              <a:t>15/06/2020</a:t>
             </a:fld>
             <a:endParaRPr lang="it-IT"/>
           </a:p>
@@ -3043,7 +3044,7 @@
           </a:lstStyle>
           <a:p>
             <a:fld id="{95B7B0B5-0B63-3644-99A4-AB904A50937F}" type="datetime1">
-              <a:t>10/06/2020</a:t>
+              <a:t>15/06/2020</a:t>
             </a:fld>
             <a:endParaRPr lang="it-IT"/>
           </a:p>
@@ -3222,7 +3223,7 @@
           </a:lstStyle>
           <a:p>
             <a:fld id="{95B7B0B5-0B63-3644-99A4-AB904A50937F}" type="datetime1">
-              <a:t>10/06/2020</a:t>
+              <a:t>15/06/2020</a:t>
             </a:fld>
             <a:endParaRPr lang="it-IT"/>
           </a:p>
@@ -3375,7 +3376,7 @@
           </a:lstStyle>
           <a:p>
             <a:fld id="{99831E0E-B4B9-804C-B32F-14C6EC15B13E}" type="datetime1">
-              <a:t>10/06/2020</a:t>
+              <a:t>15/06/2020</a:t>
             </a:fld>
             <a:endParaRPr lang="it-IT"/>
           </a:p>
@@ -3751,7 +3752,7 @@
           </a:lstStyle>
           <a:p>
             <a:fld id="{95B7B0B5-0B63-3644-99A4-AB904A50937F}" type="datetime1">
-              <a:t>10/06/2020</a:t>
+              <a:t>15/06/2020</a:t>
             </a:fld>
             <a:endParaRPr lang="it-IT"/>
           </a:p>
@@ -3823,7 +3824,7 @@
           </a:lstStyle>
           <a:p>
             <a:fld id="{95B7B0B5-0B63-3644-99A4-AB904A50937F}" type="datetime1">
-              <a:t>10/06/2020</a:t>
+              <a:t>15/06/2020</a:t>
             </a:fld>
             <a:endParaRPr lang="it-IT"/>
           </a:p>
@@ -6196,7 +6197,7 @@
           </a:lstStyle>
           <a:p>
             <a:fld id="{95B7B0B5-0B63-3644-99A4-AB904A50937F}" type="datetime1">
-              <a:t>10/06/2020</a:t>
+              <a:t>15/06/2020</a:t>
             </a:fld>
             <a:endParaRPr lang="it-IT"/>
           </a:p>
@@ -9324,14 +9325,14 @@
           <p:nvPr>
             <p:extLst>
               <p:ext uri="{D42A27DB-BD31-4B8C-83A1-F6EECF244321}">
-                <p14:modId xmlns:p14="http://schemas.microsoft.com/office/powerpoint/2010/main" val="1928639026"/>
+                <p14:modId xmlns:p14="http://schemas.microsoft.com/office/powerpoint/2010/main" val="3144371633"/>
               </p:ext>
             </p:extLst>
           </p:nvPr>
         </p:nvGraphicFramePr>
         <p:xfrm>
-          <a:off x="304800" y="1297847"/>
-          <a:ext cx="11201400" cy="4853398"/>
+          <a:off x="304800" y="1221711"/>
+          <a:ext cx="11201400" cy="5091150"/>
         </p:xfrm>
         <a:graphic>
           <a:graphicData uri="http://schemas.openxmlformats.org/drawingml/2006/table">
@@ -10519,7 +10520,7 @@
                           <a:ea typeface="+mn-ea"/>
                           <a:cs typeface="+mn-cs"/>
                         </a:rPr>
-                        <a:t>??</a:t>
+                        <a:t>Ongoing work to ensure simulated data is interoperable with data analysis.</a:t>
                       </a:r>
                       <a:endParaRPr lang="en-GB" sz="1600" b="0" i="0" u="none" strike="noStrike" kern="1200" dirty="0">
                         <a:solidFill>
@@ -10668,7 +10669,17 @@
                           <a:effectLst/>
                           <a:latin typeface="Muli" panose="00000500000000000000" pitchFamily="2" charset="0"/>
                         </a:rPr>
-                        <a:t>??</a:t>
+                        <a:t>This</a:t>
+                      </a:r>
+                      <a:r>
+                        <a:rPr lang="en-US" sz="1600" b="0" i="0" u="none" strike="noStrike" baseline="0" dirty="0" smtClean="0">
+                          <a:solidFill>
+                            <a:schemeClr val="tx1"/>
+                          </a:solidFill>
+                          <a:effectLst/>
+                          <a:latin typeface="Muli" panose="00000500000000000000" pitchFamily="2" charset="0"/>
+                        </a:rPr>
+                        <a:t> could reduce the amount of time left at PaNOSC to integrate with these EOSC Core Services</a:t>
                       </a:r>
                       <a:endParaRPr lang="en-US" sz="1600" b="0" i="0" u="none" strike="noStrike" dirty="0">
                         <a:solidFill>
@@ -13855,6 +13866,206 @@
     <p:extLst>
       <p:ext uri="{BB962C8B-B14F-4D97-AF65-F5344CB8AC3E}">
         <p14:creationId xmlns:p14="http://schemas.microsoft.com/office/powerpoint/2010/main" val="544001300"/>
+      </p:ext>
+    </p:extLst>
+  </p:cSld>
+  <p:clrMapOvr>
+    <a:masterClrMapping/>
+  </p:clrMapOvr>
+  <p:timing>
+    <p:tnLst>
+      <p:par>
+        <p:cTn id="1" dur="indefinite" restart="never" nodeType="tmRoot"/>
+      </p:par>
+    </p:tnLst>
+  </p:timing>
+</p:sld>
+</file>
+
+<file path=ppt/slides/slide16.xml><?xml version="1.0" encoding="utf-8"?>
+<p:sld xmlns:a="http://schemas.openxmlformats.org/drawingml/2006/main" xmlns:r="http://schemas.openxmlformats.org/officeDocument/2006/relationships" xmlns:p="http://schemas.openxmlformats.org/presentationml/2006/main">
+  <p:cSld>
+    <p:spTree>
+      <p:nvGrpSpPr>
+        <p:cNvPr id="1" name=""/>
+        <p:cNvGrpSpPr/>
+        <p:nvPr/>
+      </p:nvGrpSpPr>
+      <p:grpSpPr>
+        <a:xfrm>
+          <a:off x="0" y="0"/>
+          <a:ext cx="0" cy="0"/>
+          <a:chOff x="0" y="0"/>
+          <a:chExt cx="0" cy="0"/>
+        </a:xfrm>
+      </p:grpSpPr>
+      <p:sp>
+        <p:nvSpPr>
+          <p:cNvPr id="2" name="Title 5"/>
+          <p:cNvSpPr txBox="1">
+            <a:spLocks/>
+          </p:cNvSpPr>
+          <p:nvPr/>
+        </p:nvSpPr>
+        <p:spPr>
+          <a:xfrm>
+            <a:off x="0" y="0"/>
+            <a:ext cx="12192000" cy="1212741"/>
+          </a:xfrm>
+          <a:prstGeom prst="rect">
+            <a:avLst/>
+          </a:prstGeom>
+          <a:solidFill>
+            <a:schemeClr val="bg1">
+              <a:lumMod val="95000"/>
+            </a:schemeClr>
+          </a:solidFill>
+        </p:spPr>
+        <p:txBody>
+          <a:bodyPr/>
+          <a:lstStyle>
+            <a:lvl1pPr algn="ctr" defTabSz="457200" rtl="0" eaLnBrk="1" latinLnBrk="0" hangingPunct="1">
+              <a:spcBef>
+                <a:spcPct val="0"/>
+              </a:spcBef>
+              <a:buNone/>
+              <a:defRPr sz="4400" kern="1200">
+                <a:solidFill>
+                  <a:schemeClr val="tx1"/>
+                </a:solidFill>
+                <a:latin typeface="+mj-lt"/>
+                <a:ea typeface="+mj-ea"/>
+                <a:cs typeface="+mj-cs"/>
+              </a:defRPr>
+            </a:lvl1pPr>
+          </a:lstStyle>
+          <a:p>
+            <a:pPr marL="180000" algn="l">
+              <a:lnSpc>
+                <a:spcPct val="150000"/>
+              </a:lnSpc>
+            </a:pPr>
+            <a:r>
+              <a:rPr lang="en-US" b="1" dirty="0" smtClean="0">
+                <a:latin typeface="Muli" panose="00000500000000000000" pitchFamily="2" charset="0"/>
+              </a:rPr>
+              <a:t>Links</a:t>
+            </a:r>
+            <a:endParaRPr lang="en-US" b="1" dirty="0">
+              <a:latin typeface="Muli" panose="00000500000000000000" pitchFamily="2" charset="0"/>
+            </a:endParaRPr>
+          </a:p>
+        </p:txBody>
+      </p:sp>
+      <p:sp>
+        <p:nvSpPr>
+          <p:cNvPr id="3" name="TextBox 2"/>
+          <p:cNvSpPr txBox="1"/>
+          <p:nvPr/>
+        </p:nvSpPr>
+        <p:spPr>
+          <a:xfrm>
+            <a:off x="0" y="1212741"/>
+            <a:ext cx="12192000" cy="2554545"/>
+          </a:xfrm>
+          <a:prstGeom prst="rect">
+            <a:avLst/>
+          </a:prstGeom>
+          <a:noFill/>
+        </p:spPr>
+        <p:txBody>
+          <a:bodyPr wrap="square" rtlCol="0">
+            <a:spAutoFit/>
+          </a:bodyPr>
+          <a:lstStyle/>
+          <a:p>
+            <a:pPr marL="449263" lvl="1"/>
+            <a:endParaRPr lang="en-US" sz="2000" dirty="0" smtClean="0">
+              <a:latin typeface="Muli" panose="00000500000000000000" pitchFamily="2" charset="0"/>
+            </a:endParaRPr>
+          </a:p>
+          <a:p>
+            <a:pPr marL="449263" lvl="1"/>
+            <a:r>
+              <a:rPr lang="en-US" sz="2000" dirty="0" smtClean="0">
+                <a:latin typeface="Muli" panose="00000500000000000000" pitchFamily="2" charset="0"/>
+              </a:rPr>
+              <a:t>Risks </a:t>
+            </a:r>
+            <a:r>
+              <a:rPr lang="en-US" sz="2000" dirty="0">
+                <a:latin typeface="Muli" panose="00000500000000000000" pitchFamily="2" charset="0"/>
+              </a:rPr>
+              <a:t>links: </a:t>
+            </a:r>
+            <a:r>
+              <a:rPr lang="en-US" sz="2000" dirty="0">
+                <a:latin typeface="Muli" panose="00000500000000000000" pitchFamily="2" charset="0"/>
+                <a:hlinkClick r:id="rId2"/>
+              </a:rPr>
+              <a:t>https://</a:t>
+            </a:r>
+            <a:r>
+              <a:rPr lang="en-US" sz="2000" dirty="0" smtClean="0">
+                <a:latin typeface="Muli" panose="00000500000000000000" pitchFamily="2" charset="0"/>
+                <a:hlinkClick r:id="rId2"/>
+              </a:rPr>
+              <a:t>docs.google.com/spreadsheets/d/1gfh0SI8IvM61URcpv2_0FSs3QcOBOXKH/edit#gid=1974817186</a:t>
+            </a:r>
+            <a:r>
+              <a:rPr lang="en-US" sz="2000" dirty="0" smtClean="0">
+                <a:latin typeface="Muli" panose="00000500000000000000" pitchFamily="2" charset="0"/>
+              </a:rPr>
+              <a:t> </a:t>
+            </a:r>
+            <a:endParaRPr lang="en-US" sz="2000" dirty="0" smtClean="0">
+              <a:latin typeface="Muli" panose="00000500000000000000" pitchFamily="2" charset="0"/>
+            </a:endParaRPr>
+          </a:p>
+          <a:p>
+            <a:pPr marL="449263" lvl="1"/>
+            <a:endParaRPr lang="en-US" sz="2000" dirty="0">
+              <a:latin typeface="Muli" panose="00000500000000000000" pitchFamily="2" charset="0"/>
+            </a:endParaRPr>
+          </a:p>
+          <a:p>
+            <a:pPr marL="449263" lvl="1"/>
+            <a:r>
+              <a:rPr lang="en-US" sz="2000" dirty="0">
+                <a:latin typeface="Muli" panose="00000500000000000000" pitchFamily="2" charset="0"/>
+              </a:rPr>
+              <a:t>KPI links: </a:t>
+            </a:r>
+            <a:r>
+              <a:rPr lang="en-US" sz="2000" dirty="0">
+                <a:latin typeface="Muli" panose="00000500000000000000" pitchFamily="2" charset="0"/>
+                <a:hlinkClick r:id="rId3"/>
+              </a:rPr>
+              <a:t>https://</a:t>
+            </a:r>
+            <a:r>
+              <a:rPr lang="en-US" sz="2000" dirty="0" smtClean="0">
+                <a:latin typeface="Muli" panose="00000500000000000000" pitchFamily="2" charset="0"/>
+                <a:hlinkClick r:id="rId3"/>
+              </a:rPr>
+              <a:t>docs.google.com/spreadsheets/d/1iivsvBrix4v6lmC2U3sOC6YEXFeY0JzXHTM9QQQZwiY/edit#gid=0</a:t>
+            </a:r>
+            <a:r>
+              <a:rPr lang="en-US" sz="2000" dirty="0" smtClean="0">
+                <a:latin typeface="Muli" panose="00000500000000000000" pitchFamily="2" charset="0"/>
+              </a:rPr>
+              <a:t> </a:t>
+            </a:r>
+            <a:endParaRPr lang="en-US" sz="2000" dirty="0">
+              <a:latin typeface="Muli" panose="00000500000000000000" pitchFamily="2" charset="0"/>
+            </a:endParaRPr>
+          </a:p>
+        </p:txBody>
+      </p:sp>
+    </p:spTree>
+    <p:extLst>
+      <p:ext uri="{BB962C8B-B14F-4D97-AF65-F5344CB8AC3E}">
+        <p14:creationId xmlns:p14="http://schemas.microsoft.com/office/powerpoint/2010/main" val="3396681786"/>
       </p:ext>
     </p:extLst>
   </p:cSld>

--- a/Work Packages/WP1 Management/Other/PaNOSC_WP1_ReviewMeeting_v2.pptx
+++ b/Work Packages/WP1 Management/Other/PaNOSC_WP1_ReviewMeeting_v2.pptx
@@ -8245,6 +8245,15 @@
               </a:rPr>
               <a:t>Bodera</a:t>
             </a:r>
+            <a:r>
+              <a:rPr lang="en-US" spc="25" dirty="0" smtClean="0">
+                <a:solidFill>
+                  <a:srgbClr val="4C4D4F"/>
+                </a:solidFill>
+                <a:cs typeface="Arial"/>
+              </a:rPr>
+              <a:t>, ESRF</a:t>
+            </a:r>
             <a:endParaRPr lang="en-US" dirty="0">
               <a:cs typeface="Arial"/>
             </a:endParaRPr>
@@ -14018,9 +14027,6 @@
               </a:rPr>
               <a:t> </a:t>
             </a:r>
-            <a:endParaRPr lang="en-US" sz="2000" dirty="0" smtClean="0">
-              <a:latin typeface="Muli" panose="00000500000000000000" pitchFamily="2" charset="0"/>
-            </a:endParaRPr>
           </a:p>
           <a:p>
             <a:pPr marL="449263" lvl="1"/>
@@ -16843,8 +16849,17 @@
               <a:rPr lang="en-US" sz="2000" dirty="0" smtClean="0">
                 <a:latin typeface="Muli" panose="00000500000000000000" pitchFamily="2" charset="0"/>
               </a:rPr>
-              <a:t>A complete financial report as of month 18 could not be produced in time for this review meeting, however we expect:</a:t>
-            </a:r>
+              <a:t>A complete financial report as of month 18 could not be produced in time for this review meeting, however </a:t>
+            </a:r>
+            <a:r>
+              <a:rPr lang="en-US" sz="2000" dirty="0" smtClean="0">
+                <a:latin typeface="Muli" panose="00000500000000000000" pitchFamily="2" charset="0"/>
+              </a:rPr>
+              <a:t>after receiving information from some partners we can see:</a:t>
+            </a:r>
+            <a:endParaRPr lang="en-US" sz="2000" dirty="0" smtClean="0">
+              <a:latin typeface="Muli" panose="00000500000000000000" pitchFamily="2" charset="0"/>
+            </a:endParaRPr>
           </a:p>
           <a:p>
             <a:pPr marL="522900" indent="-342900">
@@ -16860,6 +16875,12 @@
               </a:rPr>
               <a:t>Increase in spending </a:t>
             </a:r>
+            <a:r>
+              <a:rPr lang="en-US" sz="2000" dirty="0" smtClean="0">
+                <a:latin typeface="Muli" panose="00000500000000000000" pitchFamily="2" charset="0"/>
+              </a:rPr>
+              <a:t> (ESRF, ESS and ELI)</a:t>
+            </a:r>
           </a:p>
           <a:p>
             <a:pPr marL="522900" indent="-342900">
@@ -16873,8 +16894,42 @@
               <a:rPr lang="en-US" sz="2000" dirty="0" smtClean="0">
                 <a:latin typeface="Muli" panose="00000500000000000000" pitchFamily="2" charset="0"/>
               </a:rPr>
-              <a:t>But not enough to catch-up with target spending levels</a:t>
-            </a:r>
+              <a:t>But </a:t>
+            </a:r>
+            <a:r>
+              <a:rPr lang="en-US" sz="2000" dirty="0" smtClean="0">
+                <a:latin typeface="Muli" panose="00000500000000000000" pitchFamily="2" charset="0"/>
+              </a:rPr>
+              <a:t>not enough to catch-up with target spending </a:t>
+            </a:r>
+            <a:r>
+              <a:rPr lang="en-US" sz="2000" dirty="0">
+                <a:latin typeface="Muli" panose="00000500000000000000" pitchFamily="2" charset="0"/>
+              </a:rPr>
+              <a:t>levels </a:t>
+            </a:r>
+            <a:r>
+              <a:rPr lang="en-US" sz="2000" dirty="0" smtClean="0">
+                <a:latin typeface="Muli" panose="00000500000000000000" pitchFamily="2" charset="0"/>
+              </a:rPr>
+              <a:t>(58 </a:t>
+            </a:r>
+            <a:r>
+              <a:rPr lang="en-US" sz="2000" dirty="0" smtClean="0">
+                <a:latin typeface="Muli" panose="00000500000000000000" pitchFamily="2" charset="0"/>
+                <a:sym typeface="Wingdings" panose="05000000000000000000" pitchFamily="2" charset="2"/>
+              </a:rPr>
+              <a:t> </a:t>
+            </a:r>
+            <a:r>
+              <a:rPr lang="en-US" sz="2000" dirty="0" smtClean="0">
+                <a:latin typeface="Muli" panose="00000500000000000000" pitchFamily="2" charset="0"/>
+              </a:rPr>
+              <a:t>70% of forecast spending) </a:t>
+            </a:r>
+            <a:endParaRPr lang="en-US" sz="2000" dirty="0" smtClean="0">
+              <a:latin typeface="Muli" panose="00000500000000000000" pitchFamily="2" charset="0"/>
+            </a:endParaRPr>
           </a:p>
           <a:p>
             <a:pPr marL="522900" indent="-342900">

--- a/Work Packages/WP1 Management/Other/PaNOSC_WP1_ReviewMeeting_v2.pptx
+++ b/Work Packages/WP1 Management/Other/PaNOSC_WP1_ReviewMeeting_v2.pptx
@@ -16772,21 +16772,17 @@
                 <a:spcPts val="600"/>
               </a:spcBef>
             </a:pPr>
-            <a:endParaRPr lang="en-US" sz="2000" dirty="0" smtClean="0">
-              <a:latin typeface="Muli" panose="00000500000000000000" pitchFamily="2" charset="0"/>
-            </a:endParaRPr>
-          </a:p>
-          <a:p>
-            <a:pPr marL="180000">
-              <a:spcBef>
-                <a:spcPts val="600"/>
-              </a:spcBef>
-            </a:pPr>
             <a:r>
               <a:rPr lang="en-US" sz="2000" dirty="0" smtClean="0">
                 <a:latin typeface="Muli" panose="00000500000000000000" pitchFamily="2" charset="0"/>
               </a:rPr>
-              <a:t>At month 9, an internal financial report was produced, which showed some under-spending compared with our forecasts:</a:t>
+              <a:t>At </a:t>
+            </a:r>
+            <a:r>
+              <a:rPr lang="en-US" sz="2000" dirty="0" smtClean="0">
+                <a:latin typeface="Muli" panose="00000500000000000000" pitchFamily="2" charset="0"/>
+              </a:rPr>
+              <a:t>month 9, an internal financial report was produced, which showed some under-spending compared with our forecasts:</a:t>
             </a:r>
           </a:p>
           <a:p>
@@ -16849,17 +16845,8 @@
               <a:rPr lang="en-US" sz="2000" dirty="0" smtClean="0">
                 <a:latin typeface="Muli" panose="00000500000000000000" pitchFamily="2" charset="0"/>
               </a:rPr>
-              <a:t>A complete financial report as of month 18 could not be produced in time for this review meeting, however </a:t>
-            </a:r>
-            <a:r>
-              <a:rPr lang="en-US" sz="2000" dirty="0" smtClean="0">
-                <a:latin typeface="Muli" panose="00000500000000000000" pitchFamily="2" charset="0"/>
-              </a:rPr>
-              <a:t>after receiving information from some partners we can see:</a:t>
-            </a:r>
-            <a:endParaRPr lang="en-US" sz="2000" dirty="0" smtClean="0">
-              <a:latin typeface="Muli" panose="00000500000000000000" pitchFamily="2" charset="0"/>
-            </a:endParaRPr>
+              <a:t>A complete financial report as of month 18 could not be produced in time for this review meeting, however after receiving information from some partners we can see:</a:t>
+            </a:r>
           </a:p>
           <a:p>
             <a:pPr marL="522900" indent="-342900">
@@ -16873,13 +16860,7 @@
               <a:rPr lang="en-US" sz="2000" dirty="0" smtClean="0">
                 <a:latin typeface="Muli" panose="00000500000000000000" pitchFamily="2" charset="0"/>
               </a:rPr>
-              <a:t>Increase in spending </a:t>
-            </a:r>
-            <a:r>
-              <a:rPr lang="en-US" sz="2000" dirty="0" smtClean="0">
-                <a:latin typeface="Muli" panose="00000500000000000000" pitchFamily="2" charset="0"/>
-              </a:rPr>
-              <a:t> (ESRF, ESS and ELI)</a:t>
+              <a:t>Increase in spending  (ESRF, ESS and ELI)</a:t>
             </a:r>
           </a:p>
           <a:p>
@@ -16894,42 +16875,33 @@
               <a:rPr lang="en-US" sz="2000" dirty="0" smtClean="0">
                 <a:latin typeface="Muli" panose="00000500000000000000" pitchFamily="2" charset="0"/>
               </a:rPr>
-              <a:t>But </a:t>
+              <a:t>But not enough to catch-up with target spending </a:t>
+            </a:r>
+            <a:r>
+              <a:rPr lang="en-US" sz="2000" dirty="0">
+                <a:latin typeface="Muli" panose="00000500000000000000" pitchFamily="2" charset="0"/>
+              </a:rPr>
+              <a:t>levels </a:t>
             </a:r>
             <a:r>
               <a:rPr lang="en-US" sz="2000" dirty="0" smtClean="0">
                 <a:latin typeface="Muli" panose="00000500000000000000" pitchFamily="2" charset="0"/>
               </a:rPr>
-              <a:t>not enough to catch-up with target spending </a:t>
-            </a:r>
-            <a:r>
-              <a:rPr lang="en-US" sz="2000" dirty="0">
-                <a:latin typeface="Muli" panose="00000500000000000000" pitchFamily="2" charset="0"/>
-              </a:rPr>
-              <a:t>levels </a:t>
+              <a:t>(58 </a:t>
             </a:r>
             <a:r>
               <a:rPr lang="en-US" sz="2000" dirty="0" smtClean="0">
                 <a:latin typeface="Muli" panose="00000500000000000000" pitchFamily="2" charset="0"/>
-              </a:rPr>
-              <a:t>(58 </a:t>
+                <a:sym typeface="Wingdings" panose="05000000000000000000" pitchFamily="2" charset="2"/>
+              </a:rPr>
+              <a:t> </a:t>
             </a:r>
             <a:r>
               <a:rPr lang="en-US" sz="2000" dirty="0" smtClean="0">
                 <a:latin typeface="Muli" panose="00000500000000000000" pitchFamily="2" charset="0"/>
-                <a:sym typeface="Wingdings" panose="05000000000000000000" pitchFamily="2" charset="2"/>
-              </a:rPr>
-              <a:t> </a:t>
-            </a:r>
-            <a:r>
-              <a:rPr lang="en-US" sz="2000" dirty="0" smtClean="0">
-                <a:latin typeface="Muli" panose="00000500000000000000" pitchFamily="2" charset="0"/>
               </a:rPr>
               <a:t>70% of forecast spending) </a:t>
             </a:r>
-            <a:endParaRPr lang="en-US" sz="2000" dirty="0" smtClean="0">
-              <a:latin typeface="Muli" panose="00000500000000000000" pitchFamily="2" charset="0"/>
-            </a:endParaRPr>
           </a:p>
           <a:p>
             <a:pPr marL="522900" indent="-342900">
@@ -16943,7 +16915,34 @@
               <a:rPr lang="en-US" sz="2000" dirty="0" smtClean="0">
                 <a:latin typeface="Muli" panose="00000500000000000000" pitchFamily="2" charset="0"/>
               </a:rPr>
-              <a:t>Increased gap between spending and forecast spending</a:t>
+              <a:t>Gap between </a:t>
+            </a:r>
+            <a:r>
+              <a:rPr lang="en-US" sz="2000" dirty="0" smtClean="0">
+                <a:latin typeface="Muli" panose="00000500000000000000" pitchFamily="2" charset="0"/>
+              </a:rPr>
+              <a:t>spending and forecast </a:t>
+            </a:r>
+            <a:r>
+              <a:rPr lang="en-US" sz="2000" dirty="0" smtClean="0">
+                <a:latin typeface="Muli" panose="00000500000000000000" pitchFamily="2" charset="0"/>
+              </a:rPr>
+              <a:t>in absolute terms (€€€) not reducing</a:t>
+            </a:r>
+          </a:p>
+          <a:p>
+            <a:pPr marL="522900" indent="-342900">
+              <a:spcBef>
+                <a:spcPts val="600"/>
+              </a:spcBef>
+              <a:buFont typeface="Arial" panose="020B0604020202020204" pitchFamily="34" charset="0"/>
+              <a:buChar char="•"/>
+            </a:pPr>
+            <a:r>
+              <a:rPr lang="en-US" sz="2000" dirty="0" smtClean="0">
+                <a:latin typeface="Muli" panose="00000500000000000000" pitchFamily="2" charset="0"/>
+              </a:rPr>
+              <a:t>Further recruitment and reallocation of funds planned</a:t>
             </a:r>
             <a:endParaRPr lang="en-GB" sz="2000" dirty="0">
               <a:latin typeface="Muli" panose="00000500000000000000" pitchFamily="2" charset="0"/>
@@ -16966,7 +16965,7 @@
         </p:blipFill>
         <p:spPr>
           <a:xfrm>
-            <a:off x="236018" y="2286000"/>
+            <a:off x="236018" y="1905000"/>
             <a:ext cx="11719963" cy="1739682"/>
           </a:xfrm>
           <a:prstGeom prst="rect">
